--- a/uperCapstone-2.pptx
+++ b/uperCapstone-2.pptx
@@ -5,14 +5,16 @@
     <p:sldMasterId id="2147483809" r:id="rId1"/>
   </p:sldMasterIdLst>
   <p:notesMasterIdLst>
-    <p:notesMasterId r:id="rId7"/>
+    <p:notesMasterId r:id="rId9"/>
   </p:notesMasterIdLst>
   <p:sldIdLst>
-    <p:sldId id="290" r:id="rId2"/>
-    <p:sldId id="322" r:id="rId3"/>
-    <p:sldId id="321" r:id="rId4"/>
-    <p:sldId id="275" r:id="rId5"/>
-    <p:sldId id="276" r:id="rId6"/>
+    <p:sldId id="324" r:id="rId2"/>
+    <p:sldId id="290" r:id="rId3"/>
+    <p:sldId id="322" r:id="rId4"/>
+    <p:sldId id="321" r:id="rId5"/>
+    <p:sldId id="275" r:id="rId6"/>
+    <p:sldId id="326" r:id="rId7"/>
+    <p:sldId id="323" r:id="rId8"/>
   </p:sldIdLst>
   <p:sldSz cx="10515600" cy="8229600"/>
   <p:notesSz cx="10515600" cy="8229600"/>
@@ -133,7 +135,7 @@
 <file path=ppt/revisionInfo.xml><?xml version="1.0" encoding="utf-8"?>
 <p1510:revInfo xmlns:a="http://schemas.openxmlformats.org/drawingml/2006/main" xmlns:r="http://schemas.openxmlformats.org/officeDocument/2006/relationships" xmlns:p1510="http://schemas.microsoft.com/office/powerpoint/2015/10/main">
   <p1510:revLst>
-    <p1510:client id="{00E70AD6-8CEE-9B48-AAD4-84810AB26CD2}" v="22" dt="2020-07-09T10:11:11.610"/>
+    <p1510:client id="{00E70AD6-8CEE-9B48-AAD4-84810AB26CD2}" v="49" dt="2020-07-09T21:47:12.320"/>
   </p1510:revLst>
 </p1510:revInfo>
 </file>
@@ -142,25 +144,322 @@
 <pc:chgInfo xmlns:a="http://schemas.openxmlformats.org/drawingml/2006/main" xmlns:r="http://schemas.openxmlformats.org/officeDocument/2006/relationships" xmlns:ac="http://schemas.microsoft.com/office/drawing/2013/main/command" xmlns:pc="http://schemas.microsoft.com/office/powerpoint/2013/main/command">
   <pc:docChgLst>
     <pc:chgData name="gabriel chavez" userId="71d80cb7cbb87c64" providerId="LiveId" clId="{00E70AD6-8CEE-9B48-AAD4-84810AB26CD2}"/>
-    <pc:docChg chg="modSld">
-      <pc:chgData name="gabriel chavez" userId="71d80cb7cbb87c64" providerId="LiveId" clId="{00E70AD6-8CEE-9B48-AAD4-84810AB26CD2}" dt="2020-07-09T10:11:11.610" v="1"/>
+    <pc:docChg chg="custSel mod addSld delSld modSld sldOrd">
+      <pc:chgData name="gabriel chavez" userId="71d80cb7cbb87c64" providerId="LiveId" clId="{00E70AD6-8CEE-9B48-AAD4-84810AB26CD2}" dt="2020-07-09T21:47:13.341" v="209" actId="20577"/>
       <pc:docMkLst>
         <pc:docMk/>
       </pc:docMkLst>
+      <pc:sldChg chg="delSp">
+        <pc:chgData name="gabriel chavez" userId="71d80cb7cbb87c64" providerId="LiveId" clId="{00E70AD6-8CEE-9B48-AAD4-84810AB26CD2}" dt="2020-07-09T19:17:37.350" v="166" actId="478"/>
+        <pc:sldMkLst>
+          <pc:docMk/>
+          <pc:sldMk cId="4248287362" sldId="275"/>
+        </pc:sldMkLst>
+        <pc:spChg chg="del">
+          <ac:chgData name="gabriel chavez" userId="71d80cb7cbb87c64" providerId="LiveId" clId="{00E70AD6-8CEE-9B48-AAD4-84810AB26CD2}" dt="2020-07-09T19:17:37.350" v="166" actId="478"/>
+          <ac:spMkLst>
+            <pc:docMk/>
+            <pc:sldMk cId="4248287362" sldId="275"/>
+            <ac:spMk id="2" creationId="{00000000-0000-0000-0000-000000000000}"/>
+          </ac:spMkLst>
+        </pc:spChg>
+      </pc:sldChg>
+      <pc:sldChg chg="addSp modSp del mod setBg setFolMasterObjs setClrOvrMap">
+        <pc:chgData name="gabriel chavez" userId="71d80cb7cbb87c64" providerId="LiveId" clId="{00E70AD6-8CEE-9B48-AAD4-84810AB26CD2}" dt="2020-07-09T19:17:15.853" v="164" actId="2696"/>
+        <pc:sldMkLst>
+          <pc:docMk/>
+          <pc:sldMk cId="0" sldId="276"/>
+        </pc:sldMkLst>
+        <pc:spChg chg="mod ord">
+          <ac:chgData name="gabriel chavez" userId="71d80cb7cbb87c64" providerId="LiveId" clId="{00E70AD6-8CEE-9B48-AAD4-84810AB26CD2}" dt="2020-07-09T19:14:44.826" v="131" actId="26606"/>
+          <ac:spMkLst>
+            <pc:docMk/>
+            <pc:sldMk cId="0" sldId="276"/>
+            <ac:spMk id="22" creationId="{A09F8B4B-C100-2146-BD15-C86BCE99C38E}"/>
+          </ac:spMkLst>
+        </pc:spChg>
+        <pc:spChg chg="add">
+          <ac:chgData name="gabriel chavez" userId="71d80cb7cbb87c64" providerId="LiveId" clId="{00E70AD6-8CEE-9B48-AAD4-84810AB26CD2}" dt="2020-07-09T19:14:44.826" v="131" actId="26606"/>
+          <ac:spMkLst>
+            <pc:docMk/>
+            <pc:sldMk cId="0" sldId="276"/>
+            <ac:spMk id="27" creationId="{0671A8AE-40A1-4631-A6B8-581AFF065482}"/>
+          </ac:spMkLst>
+        </pc:spChg>
+        <pc:spChg chg="add">
+          <ac:chgData name="gabriel chavez" userId="71d80cb7cbb87c64" providerId="LiveId" clId="{00E70AD6-8CEE-9B48-AAD4-84810AB26CD2}" dt="2020-07-09T19:14:44.826" v="131" actId="26606"/>
+          <ac:spMkLst>
+            <pc:docMk/>
+            <pc:sldMk cId="0" sldId="276"/>
+            <ac:spMk id="29" creationId="{AB58EF07-17C2-48CF-ABB0-EEF1F17CB8F0}"/>
+          </ac:spMkLst>
+        </pc:spChg>
+        <pc:spChg chg="add">
+          <ac:chgData name="gabriel chavez" userId="71d80cb7cbb87c64" providerId="LiveId" clId="{00E70AD6-8CEE-9B48-AAD4-84810AB26CD2}" dt="2020-07-09T19:14:44.826" v="131" actId="26606"/>
+          <ac:spMkLst>
+            <pc:docMk/>
+            <pc:sldMk cId="0" sldId="276"/>
+            <ac:spMk id="31" creationId="{AF2F604E-43BE-4DC3-B983-E071523364F8}"/>
+          </ac:spMkLst>
+        </pc:spChg>
+        <pc:spChg chg="add">
+          <ac:chgData name="gabriel chavez" userId="71d80cb7cbb87c64" providerId="LiveId" clId="{00E70AD6-8CEE-9B48-AAD4-84810AB26CD2}" dt="2020-07-09T19:14:44.826" v="131" actId="26606"/>
+          <ac:spMkLst>
+            <pc:docMk/>
+            <pc:sldMk cId="0" sldId="276"/>
+            <ac:spMk id="33" creationId="{08C9B587-E65E-4B52-B37C-ABEBB6E87928}"/>
+          </ac:spMkLst>
+        </pc:spChg>
+        <pc:picChg chg="add mod">
+          <ac:chgData name="gabriel chavez" userId="71d80cb7cbb87c64" providerId="LiveId" clId="{00E70AD6-8CEE-9B48-AAD4-84810AB26CD2}" dt="2020-07-09T19:14:44.826" v="131" actId="26606"/>
+          <ac:picMkLst>
+            <pc:docMk/>
+            <pc:sldMk cId="0" sldId="276"/>
+            <ac:picMk id="2" creationId="{99432762-F09B-7847-A601-ACBFDA09C3C4}"/>
+          </ac:picMkLst>
+        </pc:picChg>
+      </pc:sldChg>
       <pc:sldChg chg="modSp">
-        <pc:chgData name="gabriel chavez" userId="71d80cb7cbb87c64" providerId="LiveId" clId="{00E70AD6-8CEE-9B48-AAD4-84810AB26CD2}" dt="2020-07-09T10:11:11.610" v="1"/>
+        <pc:chgData name="gabriel chavez" userId="71d80cb7cbb87c64" providerId="LiveId" clId="{00E70AD6-8CEE-9B48-AAD4-84810AB26CD2}" dt="2020-07-09T19:10:18.149" v="29" actId="1035"/>
         <pc:sldMkLst>
           <pc:docMk/>
           <pc:sldMk cId="1678273682" sldId="322"/>
         </pc:sldMkLst>
         <pc:spChg chg="mod">
-          <ac:chgData name="gabriel chavez" userId="71d80cb7cbb87c64" providerId="LiveId" clId="{00E70AD6-8CEE-9B48-AAD4-84810AB26CD2}" dt="2020-07-09T10:11:11.610" v="1"/>
+          <ac:chgData name="gabriel chavez" userId="71d80cb7cbb87c64" providerId="LiveId" clId="{00E70AD6-8CEE-9B48-AAD4-84810AB26CD2}" dt="2020-07-09T19:10:18.149" v="29" actId="1035"/>
           <ac:spMkLst>
             <pc:docMk/>
             <pc:sldMk cId="1678273682" sldId="322"/>
             <ac:spMk id="8" creationId="{CECDAE13-1011-E545-86FE-E1BA547BB3DB}"/>
           </ac:spMkLst>
         </pc:spChg>
+      </pc:sldChg>
+      <pc:sldChg chg="addSp delSp modSp add">
+        <pc:chgData name="gabriel chavez" userId="71d80cb7cbb87c64" providerId="LiveId" clId="{00E70AD6-8CEE-9B48-AAD4-84810AB26CD2}" dt="2020-07-09T21:47:13.341" v="209" actId="20577"/>
+        <pc:sldMkLst>
+          <pc:docMk/>
+          <pc:sldMk cId="3558763774" sldId="323"/>
+        </pc:sldMkLst>
+        <pc:spChg chg="add del mod">
+          <ac:chgData name="gabriel chavez" userId="71d80cb7cbb87c64" providerId="LiveId" clId="{00E70AD6-8CEE-9B48-AAD4-84810AB26CD2}" dt="2020-07-09T19:10:38.691" v="32" actId="478"/>
+          <ac:spMkLst>
+            <pc:docMk/>
+            <pc:sldMk cId="3558763774" sldId="323"/>
+            <ac:spMk id="2" creationId="{C18B6500-D72C-F94E-AA62-033806D198E1}"/>
+          </ac:spMkLst>
+        </pc:spChg>
+        <pc:spChg chg="add del mod">
+          <ac:chgData name="gabriel chavez" userId="71d80cb7cbb87c64" providerId="LiveId" clId="{00E70AD6-8CEE-9B48-AAD4-84810AB26CD2}" dt="2020-07-09T19:10:33.888" v="31"/>
+          <ac:spMkLst>
+            <pc:docMk/>
+            <pc:sldMk cId="3558763774" sldId="323"/>
+            <ac:spMk id="4" creationId="{A9CC5635-1AD3-0541-A4ED-5515BE9BD27E}"/>
+          </ac:spMkLst>
+        </pc:spChg>
+        <pc:spChg chg="add mod">
+          <ac:chgData name="gabriel chavez" userId="71d80cb7cbb87c64" providerId="LiveId" clId="{00E70AD6-8CEE-9B48-AAD4-84810AB26CD2}" dt="2020-07-09T21:47:13.341" v="209" actId="20577"/>
+          <ac:spMkLst>
+            <pc:docMk/>
+            <pc:sldMk cId="3558763774" sldId="323"/>
+            <ac:spMk id="5" creationId="{420F3F56-3079-3B41-B2A0-E90C6E9DF75C}"/>
+          </ac:spMkLst>
+        </pc:spChg>
+        <pc:spChg chg="mod">
+          <ac:chgData name="gabriel chavez" userId="71d80cb7cbb87c64" providerId="LiveId" clId="{00E70AD6-8CEE-9B48-AAD4-84810AB26CD2}" dt="2020-07-09T19:09:31.447" v="25" actId="20577"/>
+          <ac:spMkLst>
+            <pc:docMk/>
+            <pc:sldMk cId="3558763774" sldId="323"/>
+            <ac:spMk id="22" creationId="{A09F8B4B-C100-2146-BD15-C86BCE99C38E}"/>
+          </ac:spMkLst>
+        </pc:spChg>
+      </pc:sldChg>
+      <pc:sldChg chg="addSp delSp modSp add mod ord setBg setClrOvrMap delDesignElem">
+        <pc:chgData name="gabriel chavez" userId="71d80cb7cbb87c64" providerId="LiveId" clId="{00E70AD6-8CEE-9B48-AAD4-84810AB26CD2}" dt="2020-07-09T19:16:45.929" v="161" actId="20577"/>
+        <pc:sldMkLst>
+          <pc:docMk/>
+          <pc:sldMk cId="1073710356" sldId="324"/>
+        </pc:sldMkLst>
+        <pc:spChg chg="mod">
+          <ac:chgData name="gabriel chavez" userId="71d80cb7cbb87c64" providerId="LiveId" clId="{00E70AD6-8CEE-9B48-AAD4-84810AB26CD2}" dt="2020-07-09T19:16:45.929" v="161" actId="20577"/>
+          <ac:spMkLst>
+            <pc:docMk/>
+            <pc:sldMk cId="1073710356" sldId="324"/>
+            <ac:spMk id="22" creationId="{A09F8B4B-C100-2146-BD15-C86BCE99C38E}"/>
+          </ac:spMkLst>
+        </pc:spChg>
+        <pc:spChg chg="add">
+          <ac:chgData name="gabriel chavez" userId="71d80cb7cbb87c64" providerId="LiveId" clId="{00E70AD6-8CEE-9B48-AAD4-84810AB26CD2}" dt="2020-07-09T19:16:04.504" v="138" actId="26606"/>
+          <ac:spMkLst>
+            <pc:docMk/>
+            <pc:sldMk cId="1073710356" sldId="324"/>
+            <ac:spMk id="24" creationId="{0671A8AE-40A1-4631-A6B8-581AFF065482}"/>
+          </ac:spMkLst>
+        </pc:spChg>
+        <pc:spChg chg="add">
+          <ac:chgData name="gabriel chavez" userId="71d80cb7cbb87c64" providerId="LiveId" clId="{00E70AD6-8CEE-9B48-AAD4-84810AB26CD2}" dt="2020-07-09T19:16:04.504" v="138" actId="26606"/>
+          <ac:spMkLst>
+            <pc:docMk/>
+            <pc:sldMk cId="1073710356" sldId="324"/>
+            <ac:spMk id="25" creationId="{AB58EF07-17C2-48CF-ABB0-EEF1F17CB8F0}"/>
+          </ac:spMkLst>
+        </pc:spChg>
+        <pc:spChg chg="add">
+          <ac:chgData name="gabriel chavez" userId="71d80cb7cbb87c64" providerId="LiveId" clId="{00E70AD6-8CEE-9B48-AAD4-84810AB26CD2}" dt="2020-07-09T19:16:04.504" v="138" actId="26606"/>
+          <ac:spMkLst>
+            <pc:docMk/>
+            <pc:sldMk cId="1073710356" sldId="324"/>
+            <ac:spMk id="26" creationId="{AF2F604E-43BE-4DC3-B983-E071523364F8}"/>
+          </ac:spMkLst>
+        </pc:spChg>
+        <pc:spChg chg="del">
+          <ac:chgData name="gabriel chavez" userId="71d80cb7cbb87c64" providerId="LiveId" clId="{00E70AD6-8CEE-9B48-AAD4-84810AB26CD2}" dt="2020-07-09T19:15:34.602" v="133"/>
+          <ac:spMkLst>
+            <pc:docMk/>
+            <pc:sldMk cId="1073710356" sldId="324"/>
+            <ac:spMk id="27" creationId="{0671A8AE-40A1-4631-A6B8-581AFF065482}"/>
+          </ac:spMkLst>
+        </pc:spChg>
+        <pc:spChg chg="add">
+          <ac:chgData name="gabriel chavez" userId="71d80cb7cbb87c64" providerId="LiveId" clId="{00E70AD6-8CEE-9B48-AAD4-84810AB26CD2}" dt="2020-07-09T19:16:04.504" v="138" actId="26606"/>
+          <ac:spMkLst>
+            <pc:docMk/>
+            <pc:sldMk cId="1073710356" sldId="324"/>
+            <ac:spMk id="28" creationId="{08C9B587-E65E-4B52-B37C-ABEBB6E87928}"/>
+          </ac:spMkLst>
+        </pc:spChg>
+        <pc:spChg chg="del">
+          <ac:chgData name="gabriel chavez" userId="71d80cb7cbb87c64" providerId="LiveId" clId="{00E70AD6-8CEE-9B48-AAD4-84810AB26CD2}" dt="2020-07-09T19:15:34.602" v="133"/>
+          <ac:spMkLst>
+            <pc:docMk/>
+            <pc:sldMk cId="1073710356" sldId="324"/>
+            <ac:spMk id="29" creationId="{AB58EF07-17C2-48CF-ABB0-EEF1F17CB8F0}"/>
+          </ac:spMkLst>
+        </pc:spChg>
+        <pc:spChg chg="del">
+          <ac:chgData name="gabriel chavez" userId="71d80cb7cbb87c64" providerId="LiveId" clId="{00E70AD6-8CEE-9B48-AAD4-84810AB26CD2}" dt="2020-07-09T19:15:34.602" v="133"/>
+          <ac:spMkLst>
+            <pc:docMk/>
+            <pc:sldMk cId="1073710356" sldId="324"/>
+            <ac:spMk id="31" creationId="{AF2F604E-43BE-4DC3-B983-E071523364F8}"/>
+          </ac:spMkLst>
+        </pc:spChg>
+        <pc:spChg chg="del">
+          <ac:chgData name="gabriel chavez" userId="71d80cb7cbb87c64" providerId="LiveId" clId="{00E70AD6-8CEE-9B48-AAD4-84810AB26CD2}" dt="2020-07-09T19:15:34.602" v="133"/>
+          <ac:spMkLst>
+            <pc:docMk/>
+            <pc:sldMk cId="1073710356" sldId="324"/>
+            <ac:spMk id="33" creationId="{08C9B587-E65E-4B52-B37C-ABEBB6E87928}"/>
+          </ac:spMkLst>
+        </pc:spChg>
+      </pc:sldChg>
+      <pc:sldChg chg="delSp add del setBg delDesignElem">
+        <pc:chgData name="gabriel chavez" userId="71d80cb7cbb87c64" providerId="LiveId" clId="{00E70AD6-8CEE-9B48-AAD4-84810AB26CD2}" dt="2020-07-09T19:17:43.483" v="168" actId="2696"/>
+        <pc:sldMkLst>
+          <pc:docMk/>
+          <pc:sldMk cId="1488027155" sldId="325"/>
+        </pc:sldMkLst>
+        <pc:spChg chg="del">
+          <ac:chgData name="gabriel chavez" userId="71d80cb7cbb87c64" providerId="LiveId" clId="{00E70AD6-8CEE-9B48-AAD4-84810AB26CD2}" dt="2020-07-09T19:17:13.202" v="163"/>
+          <ac:spMkLst>
+            <pc:docMk/>
+            <pc:sldMk cId="1488027155" sldId="325"/>
+            <ac:spMk id="27" creationId="{0671A8AE-40A1-4631-A6B8-581AFF065482}"/>
+          </ac:spMkLst>
+        </pc:spChg>
+        <pc:spChg chg="del">
+          <ac:chgData name="gabriel chavez" userId="71d80cb7cbb87c64" providerId="LiveId" clId="{00E70AD6-8CEE-9B48-AAD4-84810AB26CD2}" dt="2020-07-09T19:17:13.202" v="163"/>
+          <ac:spMkLst>
+            <pc:docMk/>
+            <pc:sldMk cId="1488027155" sldId="325"/>
+            <ac:spMk id="29" creationId="{AB58EF07-17C2-48CF-ABB0-EEF1F17CB8F0}"/>
+          </ac:spMkLst>
+        </pc:spChg>
+        <pc:spChg chg="del">
+          <ac:chgData name="gabriel chavez" userId="71d80cb7cbb87c64" providerId="LiveId" clId="{00E70AD6-8CEE-9B48-AAD4-84810AB26CD2}" dt="2020-07-09T19:17:13.202" v="163"/>
+          <ac:spMkLst>
+            <pc:docMk/>
+            <pc:sldMk cId="1488027155" sldId="325"/>
+            <ac:spMk id="31" creationId="{AF2F604E-43BE-4DC3-B983-E071523364F8}"/>
+          </ac:spMkLst>
+        </pc:spChg>
+        <pc:spChg chg="del">
+          <ac:chgData name="gabriel chavez" userId="71d80cb7cbb87c64" providerId="LiveId" clId="{00E70AD6-8CEE-9B48-AAD4-84810AB26CD2}" dt="2020-07-09T19:17:13.202" v="163"/>
+          <ac:spMkLst>
+            <pc:docMk/>
+            <pc:sldMk cId="1488027155" sldId="325"/>
+            <ac:spMk id="33" creationId="{08C9B587-E65E-4B52-B37C-ABEBB6E87928}"/>
+          </ac:spMkLst>
+        </pc:spChg>
+        <pc:picChg chg="del">
+          <ac:chgData name="gabriel chavez" userId="71d80cb7cbb87c64" providerId="LiveId" clId="{00E70AD6-8CEE-9B48-AAD4-84810AB26CD2}" dt="2020-07-09T19:17:26.821" v="165" actId="478"/>
+          <ac:picMkLst>
+            <pc:docMk/>
+            <pc:sldMk cId="1488027155" sldId="325"/>
+            <ac:picMk id="2" creationId="{99432762-F09B-7847-A601-ACBFDA09C3C4}"/>
+          </ac:picMkLst>
+        </pc:picChg>
+      </pc:sldChg>
+      <pc:sldChg chg="delSp add del setBg delDesignElem">
+        <pc:chgData name="gabriel chavez" userId="71d80cb7cbb87c64" providerId="LiveId" clId="{00E70AD6-8CEE-9B48-AAD4-84810AB26CD2}" dt="2020-07-09T19:15:56.356" v="137" actId="2696"/>
+        <pc:sldMkLst>
+          <pc:docMk/>
+          <pc:sldMk cId="4056791200" sldId="325"/>
+        </pc:sldMkLst>
+        <pc:spChg chg="del">
+          <ac:chgData name="gabriel chavez" userId="71d80cb7cbb87c64" providerId="LiveId" clId="{00E70AD6-8CEE-9B48-AAD4-84810AB26CD2}" dt="2020-07-09T19:15:54.465" v="136"/>
+          <ac:spMkLst>
+            <pc:docMk/>
+            <pc:sldMk cId="4056791200" sldId="325"/>
+            <ac:spMk id="27" creationId="{0671A8AE-40A1-4631-A6B8-581AFF065482}"/>
+          </ac:spMkLst>
+        </pc:spChg>
+        <pc:spChg chg="del">
+          <ac:chgData name="gabriel chavez" userId="71d80cb7cbb87c64" providerId="LiveId" clId="{00E70AD6-8CEE-9B48-AAD4-84810AB26CD2}" dt="2020-07-09T19:15:54.465" v="136"/>
+          <ac:spMkLst>
+            <pc:docMk/>
+            <pc:sldMk cId="4056791200" sldId="325"/>
+            <ac:spMk id="29" creationId="{AB58EF07-17C2-48CF-ABB0-EEF1F17CB8F0}"/>
+          </ac:spMkLst>
+        </pc:spChg>
+        <pc:spChg chg="del">
+          <ac:chgData name="gabriel chavez" userId="71d80cb7cbb87c64" providerId="LiveId" clId="{00E70AD6-8CEE-9B48-AAD4-84810AB26CD2}" dt="2020-07-09T19:15:54.465" v="136"/>
+          <ac:spMkLst>
+            <pc:docMk/>
+            <pc:sldMk cId="4056791200" sldId="325"/>
+            <ac:spMk id="31" creationId="{AF2F604E-43BE-4DC3-B983-E071523364F8}"/>
+          </ac:spMkLst>
+        </pc:spChg>
+        <pc:spChg chg="del">
+          <ac:chgData name="gabriel chavez" userId="71d80cb7cbb87c64" providerId="LiveId" clId="{00E70AD6-8CEE-9B48-AAD4-84810AB26CD2}" dt="2020-07-09T19:15:54.465" v="136"/>
+          <ac:spMkLst>
+            <pc:docMk/>
+            <pc:sldMk cId="4056791200" sldId="325"/>
+            <ac:spMk id="33" creationId="{08C9B587-E65E-4B52-B37C-ABEBB6E87928}"/>
+          </ac:spMkLst>
+        </pc:spChg>
+      </pc:sldChg>
+      <pc:sldChg chg="addSp modSp add">
+        <pc:chgData name="gabriel chavez" userId="71d80cb7cbb87c64" providerId="LiveId" clId="{00E70AD6-8CEE-9B48-AAD4-84810AB26CD2}" dt="2020-07-09T19:18:16.579" v="207" actId="14100"/>
+        <pc:sldMkLst>
+          <pc:docMk/>
+          <pc:sldMk cId="285626864" sldId="326"/>
+        </pc:sldMkLst>
+        <pc:spChg chg="mod">
+          <ac:chgData name="gabriel chavez" userId="71d80cb7cbb87c64" providerId="LiveId" clId="{00E70AD6-8CEE-9B48-AAD4-84810AB26CD2}" dt="2020-07-09T19:17:53.445" v="204" actId="20577"/>
+          <ac:spMkLst>
+            <pc:docMk/>
+            <pc:sldMk cId="285626864" sldId="326"/>
+            <ac:spMk id="3" creationId="{00000000-0000-0000-0000-000000000000}"/>
+          </ac:spMkLst>
+        </pc:spChg>
+        <pc:picChg chg="add mod">
+          <ac:chgData name="gabriel chavez" userId="71d80cb7cbb87c64" providerId="LiveId" clId="{00E70AD6-8CEE-9B48-AAD4-84810AB26CD2}" dt="2020-07-09T19:18:16.579" v="207" actId="14100"/>
+          <ac:picMkLst>
+            <pc:docMk/>
+            <pc:sldMk cId="285626864" sldId="326"/>
+            <ac:picMk id="2" creationId="{4C49FD6D-D943-4A4E-A058-CB471CC8A1C1}"/>
+          </ac:picMkLst>
+        </pc:picChg>
       </pc:sldChg>
     </pc:docChg>
   </pc:docChgLst>
@@ -590,7 +889,7 @@
     </p:spTree>
     <p:extLst>
       <p:ext uri="{BB962C8B-B14F-4D97-AF65-F5344CB8AC3E}">
-        <p14:creationId xmlns:p14="http://schemas.microsoft.com/office/powerpoint/2010/main" val="219007327"/>
+        <p14:creationId xmlns:p14="http://schemas.microsoft.com/office/powerpoint/2010/main" val="1240325100"/>
       </p:ext>
     </p:extLst>
   </p:cSld>
@@ -674,7 +973,7 @@
     </p:spTree>
     <p:extLst>
       <p:ext uri="{BB962C8B-B14F-4D97-AF65-F5344CB8AC3E}">
-        <p14:creationId xmlns:p14="http://schemas.microsoft.com/office/powerpoint/2010/main" val="1799359434"/>
+        <p14:creationId xmlns:p14="http://schemas.microsoft.com/office/powerpoint/2010/main" val="219007327"/>
       </p:ext>
     </p:extLst>
   </p:cSld>
@@ -749,7 +1048,7 @@
           <a:p>
             <a:fld id="{24C23701-6E65-D441-BF4F-11AAC8B3297F}" type="slidenum">
               <a:rPr lang="en-US" smtClean="0"/>
-              <a:t>4</a:t>
+              <a:t>3</a:t>
             </a:fld>
             <a:endParaRPr lang="en-US"/>
           </a:p>
@@ -758,7 +1057,7 @@
     </p:spTree>
     <p:extLst>
       <p:ext uri="{BB962C8B-B14F-4D97-AF65-F5344CB8AC3E}">
-        <p14:creationId xmlns:p14="http://schemas.microsoft.com/office/powerpoint/2010/main" val="2209156733"/>
+        <p14:creationId xmlns:p14="http://schemas.microsoft.com/office/powerpoint/2010/main" val="1799359434"/>
       </p:ext>
     </p:extLst>
   </p:cSld>
@@ -842,7 +1141,175 @@
     </p:spTree>
     <p:extLst>
       <p:ext uri="{BB962C8B-B14F-4D97-AF65-F5344CB8AC3E}">
-        <p14:creationId xmlns:p14="http://schemas.microsoft.com/office/powerpoint/2010/main" val="3831447126"/>
+        <p14:creationId xmlns:p14="http://schemas.microsoft.com/office/powerpoint/2010/main" val="2209156733"/>
+      </p:ext>
+    </p:extLst>
+  </p:cSld>
+  <p:clrMapOvr>
+    <a:masterClrMapping/>
+  </p:clrMapOvr>
+</p:notes>
+</file>
+
+<file path=ppt/notesSlides/notesSlide5.xml><?xml version="1.0" encoding="utf-8"?>
+<p:notes xmlns:a="http://schemas.openxmlformats.org/drawingml/2006/main" xmlns:r="http://schemas.openxmlformats.org/officeDocument/2006/relationships" xmlns:p="http://schemas.openxmlformats.org/presentationml/2006/main">
+  <p:cSld>
+    <p:spTree>
+      <p:nvGrpSpPr>
+        <p:cNvPr id="1" name=""/>
+        <p:cNvGrpSpPr/>
+        <p:nvPr/>
+      </p:nvGrpSpPr>
+      <p:grpSpPr>
+        <a:xfrm>
+          <a:off x="0" y="0"/>
+          <a:ext cx="0" cy="0"/>
+          <a:chOff x="0" y="0"/>
+          <a:chExt cx="0" cy="0"/>
+        </a:xfrm>
+      </p:grpSpPr>
+      <p:sp>
+        <p:nvSpPr>
+          <p:cNvPr id="2" name="Slide Image Placeholder 1"/>
+          <p:cNvSpPr>
+            <a:spLocks noGrp="1" noRot="1" noChangeAspect="1"/>
+          </p:cNvSpPr>
+          <p:nvPr>
+            <p:ph type="sldImg"/>
+          </p:nvPr>
+        </p:nvSpPr>
+        <p:spPr/>
+      </p:sp>
+      <p:sp>
+        <p:nvSpPr>
+          <p:cNvPr id="3" name="Notes Placeholder 2"/>
+          <p:cNvSpPr>
+            <a:spLocks noGrp="1"/>
+          </p:cNvSpPr>
+          <p:nvPr>
+            <p:ph type="body" idx="1"/>
+          </p:nvPr>
+        </p:nvSpPr>
+        <p:spPr/>
+        <p:txBody>
+          <a:bodyPr/>
+          <a:lstStyle/>
+          <a:p>
+            <a:endParaRPr lang="en-US"/>
+          </a:p>
+        </p:txBody>
+      </p:sp>
+      <p:sp>
+        <p:nvSpPr>
+          <p:cNvPr id="4" name="Slide Number Placeholder 3"/>
+          <p:cNvSpPr>
+            <a:spLocks noGrp="1"/>
+          </p:cNvSpPr>
+          <p:nvPr>
+            <p:ph type="sldNum" sz="quarter" idx="5"/>
+          </p:nvPr>
+        </p:nvSpPr>
+        <p:spPr/>
+        <p:txBody>
+          <a:bodyPr/>
+          <a:lstStyle/>
+          <a:p>
+            <a:fld id="{24C23701-6E65-D441-BF4F-11AAC8B3297F}" type="slidenum">
+              <a:rPr lang="en-US" smtClean="0"/>
+              <a:t>6</a:t>
+            </a:fld>
+            <a:endParaRPr lang="en-US"/>
+          </a:p>
+        </p:txBody>
+      </p:sp>
+    </p:spTree>
+    <p:extLst>
+      <p:ext uri="{BB962C8B-B14F-4D97-AF65-F5344CB8AC3E}">
+        <p14:creationId xmlns:p14="http://schemas.microsoft.com/office/powerpoint/2010/main" val="1499987118"/>
+      </p:ext>
+    </p:extLst>
+  </p:cSld>
+  <p:clrMapOvr>
+    <a:masterClrMapping/>
+  </p:clrMapOvr>
+</p:notes>
+</file>
+
+<file path=ppt/notesSlides/notesSlide6.xml><?xml version="1.0" encoding="utf-8"?>
+<p:notes xmlns:a="http://schemas.openxmlformats.org/drawingml/2006/main" xmlns:r="http://schemas.openxmlformats.org/officeDocument/2006/relationships" xmlns:p="http://schemas.openxmlformats.org/presentationml/2006/main">
+  <p:cSld>
+    <p:spTree>
+      <p:nvGrpSpPr>
+        <p:cNvPr id="1" name=""/>
+        <p:cNvGrpSpPr/>
+        <p:nvPr/>
+      </p:nvGrpSpPr>
+      <p:grpSpPr>
+        <a:xfrm>
+          <a:off x="0" y="0"/>
+          <a:ext cx="0" cy="0"/>
+          <a:chOff x="0" y="0"/>
+          <a:chExt cx="0" cy="0"/>
+        </a:xfrm>
+      </p:grpSpPr>
+      <p:sp>
+        <p:nvSpPr>
+          <p:cNvPr id="2" name="Slide Image Placeholder 1"/>
+          <p:cNvSpPr>
+            <a:spLocks noGrp="1" noRot="1" noChangeAspect="1"/>
+          </p:cNvSpPr>
+          <p:nvPr>
+            <p:ph type="sldImg"/>
+          </p:nvPr>
+        </p:nvSpPr>
+        <p:spPr/>
+      </p:sp>
+      <p:sp>
+        <p:nvSpPr>
+          <p:cNvPr id="3" name="Notes Placeholder 2"/>
+          <p:cNvSpPr>
+            <a:spLocks noGrp="1"/>
+          </p:cNvSpPr>
+          <p:nvPr>
+            <p:ph type="body" idx="1"/>
+          </p:nvPr>
+        </p:nvSpPr>
+        <p:spPr/>
+        <p:txBody>
+          <a:bodyPr/>
+          <a:lstStyle/>
+          <a:p>
+            <a:endParaRPr lang="en-US"/>
+          </a:p>
+        </p:txBody>
+      </p:sp>
+      <p:sp>
+        <p:nvSpPr>
+          <p:cNvPr id="4" name="Slide Number Placeholder 3"/>
+          <p:cNvSpPr>
+            <a:spLocks noGrp="1"/>
+          </p:cNvSpPr>
+          <p:nvPr>
+            <p:ph type="sldNum" sz="quarter" idx="5"/>
+          </p:nvPr>
+        </p:nvSpPr>
+        <p:spPr/>
+        <p:txBody>
+          <a:bodyPr/>
+          <a:lstStyle/>
+          <a:p>
+            <a:fld id="{24C23701-6E65-D441-BF4F-11AAC8B3297F}" type="slidenum">
+              <a:rPr lang="en-US" smtClean="0"/>
+              <a:t>7</a:t>
+            </a:fld>
+            <a:endParaRPr lang="en-US"/>
+          </a:p>
+        </p:txBody>
+      </p:sp>
+    </p:spTree>
+    <p:extLst>
+      <p:ext uri="{BB962C8B-B14F-4D97-AF65-F5344CB8AC3E}">
+        <p14:creationId xmlns:p14="http://schemas.microsoft.com/office/powerpoint/2010/main" val="1276179813"/>
       </p:ext>
     </p:extLst>
   </p:cSld>
@@ -4052,6 +4519,14 @@
 <file path=ppt/slides/slide1.xml><?xml version="1.0" encoding="utf-8"?>
 <p:sld xmlns:a="http://schemas.openxmlformats.org/drawingml/2006/main" xmlns:r="http://schemas.openxmlformats.org/officeDocument/2006/relationships" xmlns:p="http://schemas.openxmlformats.org/presentationml/2006/main">
   <p:cSld>
+    <p:bg>
+      <p:bgPr>
+        <a:solidFill>
+          <a:schemeClr val="bg1"/>
+        </a:solidFill>
+        <a:effectLst/>
+      </p:bgPr>
+    </p:bg>
     <p:spTree>
       <p:nvGrpSpPr>
         <p:cNvPr id="1" name=""/>
@@ -4066,224 +4541,406 @@
           <a:chExt cx="0" cy="0"/>
         </a:xfrm>
       </p:grpSpPr>
-      <p:sp>
-        <p:nvSpPr>
-          <p:cNvPr id="3" name="object 3"/>
-          <p:cNvSpPr txBox="1">
-            <a:spLocks noGrp="1"/>
-          </p:cNvSpPr>
-          <p:nvPr>
-            <p:ph type="title"/>
+      <p:sp useBgFill="1">
+        <p:nvSpPr>
+          <p:cNvPr id="24" name="Rectangle 26">
+            <a:extLst>
+              <a:ext uri="{FF2B5EF4-FFF2-40B4-BE49-F238E27FC236}">
+                <a16:creationId xmlns:a16="http://schemas.microsoft.com/office/drawing/2014/main" id="{0671A8AE-40A1-4631-A6B8-581AFF065482}"/>
+              </a:ext>
+              <a:ext uri="{C183D7F6-B498-43B3-948B-1728B52AA6E4}">
+                <adec:decorative xmlns:adec="http://schemas.microsoft.com/office/drawing/2017/decorative" val="1"/>
+              </a:ext>
+            </a:extLst>
+          </p:cNvPr>
+          <p:cNvSpPr>
+            <a:spLocks noGrp="1" noRot="1" noChangeAspect="1" noMove="1" noResize="1" noEditPoints="1" noAdjustHandles="1" noChangeArrowheads="1" noChangeShapeType="1" noTextEdit="1"/>
+          </p:cNvSpPr>
+          <p:nvPr>
+            <p:extLst>
+              <p:ext uri="{386F3935-93C4-4BCD-93E2-E3B085C9AB24}">
+                <p16:designElem xmlns:p16="http://schemas.microsoft.com/office/powerpoint/2015/main" val="1"/>
+              </p:ext>
+            </p:extLst>
           </p:nvPr>
         </p:nvSpPr>
         <p:spPr>
           <a:xfrm>
-            <a:off x="762000" y="703277"/>
-            <a:ext cx="8202902" cy="505267"/>
+            <a:off x="0" y="0"/>
+            <a:ext cx="10515600" cy="8229600"/>
+          </a:xfrm>
+          <a:prstGeom prst="rect">
+            <a:avLst/>
+          </a:prstGeom>
+          <a:ln>
+            <a:noFill/>
+          </a:ln>
+        </p:spPr>
+        <p:style>
+          <a:lnRef idx="2">
+            <a:schemeClr val="accent1">
+              <a:shade val="50000"/>
+            </a:schemeClr>
+          </a:lnRef>
+          <a:fillRef idx="1">
+            <a:schemeClr val="accent1"/>
+          </a:fillRef>
+          <a:effectRef idx="0">
+            <a:schemeClr val="accent1"/>
+          </a:effectRef>
+          <a:fontRef idx="minor">
+            <a:schemeClr val="lt1"/>
+          </a:fontRef>
+        </p:style>
+        <p:txBody>
+          <a:bodyPr rtlCol="0" anchor="ctr"/>
+          <a:lstStyle/>
+          <a:p>
+            <a:pPr algn="ctr"/>
+            <a:endParaRPr lang="en-US"/>
+          </a:p>
+        </p:txBody>
+      </p:sp>
+      <p:pic>
+        <p:nvPicPr>
+          <p:cNvPr id="2" name="Picture 1">
+            <a:extLst>
+              <a:ext uri="{FF2B5EF4-FFF2-40B4-BE49-F238E27FC236}">
+                <a16:creationId xmlns:a16="http://schemas.microsoft.com/office/drawing/2014/main" id="{99432762-F09B-7847-A601-ACBFDA09C3C4}"/>
+              </a:ext>
+            </a:extLst>
+          </p:cNvPr>
+          <p:cNvPicPr>
+            <a:picLocks noChangeAspect="1"/>
+          </p:cNvPicPr>
+          <p:nvPr/>
+        </p:nvPicPr>
+        <p:blipFill rotWithShape="1">
+          <a:blip r:embed="rId3"/>
+          <a:srcRect t="4019" r="17201" b="5070"/>
+          <a:stretch/>
+        </p:blipFill>
+        <p:spPr>
+          <a:xfrm>
+            <a:off x="3039008" y="10"/>
+            <a:ext cx="7476592" cy="8229590"/>
           </a:xfrm>
           <a:prstGeom prst="rect">
             <a:avLst/>
           </a:prstGeom>
         </p:spPr>
-        <p:txBody>
-          <a:bodyPr vert="horz" wrap="square" lIns="0" tIns="12700" rIns="0" bIns="0" rtlCol="0">
-            <a:spAutoFit/>
-          </a:bodyPr>
-          <a:lstStyle/>
-          <a:p>
-            <a:pPr marL="12700">
-              <a:lnSpc>
-                <a:spcPct val="100000"/>
-              </a:lnSpc>
-              <a:spcBef>
-                <a:spcPts val="100"/>
-              </a:spcBef>
-            </a:pPr>
-            <a:r>
-              <a:rPr lang="en-US" sz="3200" spc="-215" dirty="0">
-                <a:solidFill>
-                  <a:srgbClr val="0070C0"/>
-                </a:solidFill>
-              </a:rPr>
-              <a:t>Website Objectives: UPER</a:t>
-            </a:r>
-            <a:endParaRPr sz="3200" dirty="0">
-              <a:solidFill>
-                <a:srgbClr val="0070C0"/>
-              </a:solidFill>
-            </a:endParaRPr>
-          </a:p>
-        </p:txBody>
-      </p:sp>
-      <p:sp>
-        <p:nvSpPr>
-          <p:cNvPr id="8" name="Rectangle 7">
-            <a:extLst>
-              <a:ext uri="{FF2B5EF4-FFF2-40B4-BE49-F238E27FC236}">
-                <a16:creationId xmlns:a16="http://schemas.microsoft.com/office/drawing/2014/main" id="{CECDAE13-1011-E545-86FE-E1BA547BB3DB}"/>
-              </a:ext>
-            </a:extLst>
-          </p:cNvPr>
-          <p:cNvSpPr/>
-          <p:nvPr/>
+      </p:pic>
+      <p:sp>
+        <p:nvSpPr>
+          <p:cNvPr id="25" name="Rectangle 28">
+            <a:extLst>
+              <a:ext uri="{FF2B5EF4-FFF2-40B4-BE49-F238E27FC236}">
+                <a16:creationId xmlns:a16="http://schemas.microsoft.com/office/drawing/2014/main" id="{AB58EF07-17C2-48CF-ABB0-EEF1F17CB8F0}"/>
+              </a:ext>
+              <a:ext uri="{C183D7F6-B498-43B3-948B-1728B52AA6E4}">
+                <adec:decorative xmlns:adec="http://schemas.microsoft.com/office/drawing/2017/decorative" val="1"/>
+              </a:ext>
+            </a:extLst>
+          </p:cNvPr>
+          <p:cNvSpPr>
+            <a:spLocks noGrp="1" noRot="1" noChangeAspect="1" noMove="1" noResize="1" noEditPoints="1" noAdjustHandles="1" noChangeArrowheads="1" noChangeShapeType="1" noTextEdit="1"/>
+          </p:cNvSpPr>
+          <p:nvPr>
+            <p:extLst>
+              <p:ext uri="{386F3935-93C4-4BCD-93E2-E3B085C9AB24}">
+                <p16:designElem xmlns:p16="http://schemas.microsoft.com/office/powerpoint/2015/main" val="1"/>
+              </p:ext>
+            </p:extLst>
+          </p:nvPr>
         </p:nvSpPr>
         <p:spPr>
           <a:xfrm>
-            <a:off x="685800" y="1295400"/>
-            <a:ext cx="9220200" cy="5386090"/>
+            <a:off x="2" y="0"/>
+            <a:ext cx="8055065" cy="8229600"/>
+          </a:xfrm>
+          <a:prstGeom prst="rect">
+            <a:avLst/>
+          </a:prstGeom>
+          <a:gradFill>
+            <a:gsLst>
+              <a:gs pos="58000">
+                <a:schemeClr val="bg1"/>
+              </a:gs>
+              <a:gs pos="33000">
+                <a:schemeClr val="bg1">
+                  <a:alpha val="64000"/>
+                </a:schemeClr>
+              </a:gs>
+              <a:gs pos="0">
+                <a:schemeClr val="bg1">
+                  <a:alpha val="0"/>
+                </a:schemeClr>
+              </a:gs>
+              <a:gs pos="100000">
+                <a:schemeClr val="bg1"/>
+              </a:gs>
+            </a:gsLst>
+            <a:lin ang="10800000" scaled="0"/>
+          </a:gradFill>
+          <a:ln>
+            <a:noFill/>
+          </a:ln>
+        </p:spPr>
+        <p:style>
+          <a:lnRef idx="2">
+            <a:schemeClr val="accent1">
+              <a:shade val="50000"/>
+            </a:schemeClr>
+          </a:lnRef>
+          <a:fillRef idx="1">
+            <a:schemeClr val="accent1"/>
+          </a:fillRef>
+          <a:effectRef idx="0">
+            <a:schemeClr val="accent1"/>
+          </a:effectRef>
+          <a:fontRef idx="minor">
+            <a:schemeClr val="lt1"/>
+          </a:fontRef>
+        </p:style>
+        <p:txBody>
+          <a:bodyPr rtlCol="0" anchor="ctr"/>
+          <a:lstStyle/>
+          <a:p>
+            <a:pPr algn="ctr"/>
+            <a:endParaRPr lang="en-US" dirty="0"/>
+          </a:p>
+        </p:txBody>
+      </p:sp>
+      <p:sp>
+        <p:nvSpPr>
+          <p:cNvPr id="22" name="object 2">
+            <a:extLst>
+              <a:ext uri="{FF2B5EF4-FFF2-40B4-BE49-F238E27FC236}">
+                <a16:creationId xmlns:a16="http://schemas.microsoft.com/office/drawing/2014/main" id="{A09F8B4B-C100-2146-BD15-C86BCE99C38E}"/>
+              </a:ext>
+            </a:extLst>
+          </p:cNvPr>
+          <p:cNvSpPr txBox="1">
+            <a:spLocks noGrp="1"/>
+          </p:cNvSpPr>
+          <p:nvPr>
+            <p:ph type="title"/>
+          </p:nvPr>
+        </p:nvSpPr>
+        <p:spPr>
+          <a:xfrm>
+            <a:off x="412258" y="1346835"/>
+            <a:ext cx="3470148" cy="3844961"/>
           </a:xfrm>
           <a:prstGeom prst="rect">
             <a:avLst/>
           </a:prstGeom>
         </p:spPr>
         <p:txBody>
-          <a:bodyPr wrap="square">
-            <a:spAutoFit/>
+          <a:bodyPr vert="horz" lIns="91440" tIns="45720" rIns="91440" bIns="45720" rtlCol="0" anchor="b">
+            <a:normAutofit/>
           </a:bodyPr>
           <a:lstStyle/>
           <a:p>
-            <a:pPr marL="12700" algn="ctr">
+            <a:pPr marL="12700" defTabSz="914400"/>
+            <a:r>
+              <a:rPr lang="en-US" sz="4900" spc="-125" dirty="0"/>
+              <a:t>Checkers Board</a:t>
+            </a:r>
+            <a:br>
+              <a:rPr lang="en-US" sz="4900" spc="-125" dirty="0"/>
+            </a:br>
+            <a:r>
+              <a:rPr lang="en-US" sz="4900" spc="-125" dirty="0"/>
+              <a:t>Game</a:t>
+            </a:r>
+            <a:br>
+              <a:rPr lang="en-US" sz="4900" spc="-125" dirty="0"/>
+            </a:br>
+            <a:r>
+              <a:rPr lang="en-US" sz="4900" spc="-125" dirty="0"/>
+              <a:t>in Java</a:t>
+            </a:r>
+            <a:br>
+              <a:rPr lang="en-US" sz="4900" spc="-125" dirty="0"/>
+            </a:br>
+            <a:r>
+              <a:rPr lang="en-US" sz="4900" spc="-125" dirty="0"/>
+              <a:t>OOP</a:t>
+            </a:r>
+          </a:p>
+        </p:txBody>
+      </p:sp>
+      <p:sp>
+        <p:nvSpPr>
+          <p:cNvPr id="26" name="Rectangle 30">
+            <a:extLst>
+              <a:ext uri="{FF2B5EF4-FFF2-40B4-BE49-F238E27FC236}">
+                <a16:creationId xmlns:a16="http://schemas.microsoft.com/office/drawing/2014/main" id="{AF2F604E-43BE-4DC3-B983-E071523364F8}"/>
+              </a:ext>
+              <a:ext uri="{C183D7F6-B498-43B3-948B-1728B52AA6E4}">
+                <adec:decorative xmlns:adec="http://schemas.microsoft.com/office/drawing/2017/decorative" val="1"/>
+              </a:ext>
+            </a:extLst>
+          </p:cNvPr>
+          <p:cNvSpPr>
+            <a:spLocks noGrp="1" noRot="1" noChangeAspect="1" noMove="1" noResize="1" noEditPoints="1" noAdjustHandles="1" noChangeArrowheads="1" noChangeShapeType="1" noTextEdit="1"/>
+          </p:cNvSpPr>
+          <p:nvPr>
+            <p:extLst>
+              <p:ext uri="{386F3935-93C4-4BCD-93E2-E3B085C9AB24}">
+                <p16:designElem xmlns:p16="http://schemas.microsoft.com/office/powerpoint/2015/main" val="1"/>
+              </p:ext>
+            </p:extLst>
+          </p:nvPr>
+        </p:nvSpPr>
+        <p:spPr>
+          <a:xfrm rot="5400000">
+            <a:off x="630743" y="534964"/>
+            <a:ext cx="175565" cy="607276"/>
+          </a:xfrm>
+          <a:prstGeom prst="rect">
+            <a:avLst/>
+          </a:prstGeom>
+          <a:solidFill>
+            <a:schemeClr val="accent2"/>
+          </a:solidFill>
+          <a:ln>
+            <a:noFill/>
+          </a:ln>
+        </p:spPr>
+        <p:style>
+          <a:lnRef idx="2">
+            <a:schemeClr val="accent1">
+              <a:shade val="50000"/>
+            </a:schemeClr>
+          </a:lnRef>
+          <a:fillRef idx="1">
+            <a:schemeClr val="accent1"/>
+          </a:fillRef>
+          <a:effectRef idx="0">
+            <a:schemeClr val="accent1"/>
+          </a:effectRef>
+          <a:fontRef idx="minor">
+            <a:schemeClr val="lt1"/>
+          </a:fontRef>
+        </p:style>
+        <p:txBody>
+          <a:bodyPr rtlCol="0" anchor="ctr"/>
+          <a:lstStyle/>
+          <a:p>
+            <a:pPr algn="ctr"/>
+            <a:endParaRPr lang="en-US">
+              <a:solidFill>
+                <a:prstClr val="white"/>
+              </a:solidFill>
+              <a:latin typeface="Calibri" panose="020F0502020204030204"/>
+            </a:endParaRPr>
+          </a:p>
+        </p:txBody>
+      </p:sp>
+      <p:sp>
+        <p:nvSpPr>
+          <p:cNvPr id="28" name="Rectangle 32">
+            <a:extLst>
+              <a:ext uri="{FF2B5EF4-FFF2-40B4-BE49-F238E27FC236}">
+                <a16:creationId xmlns:a16="http://schemas.microsoft.com/office/drawing/2014/main" id="{08C9B587-E65E-4B52-B37C-ABEBB6E87928}"/>
+              </a:ext>
+              <a:ext uri="{C183D7F6-B498-43B3-948B-1728B52AA6E4}">
+                <adec:decorative xmlns:adec="http://schemas.microsoft.com/office/drawing/2017/decorative" val="1"/>
+              </a:ext>
+            </a:extLst>
+          </p:cNvPr>
+          <p:cNvSpPr>
+            <a:spLocks noGrp="1" noRot="1" noChangeAspect="1" noMove="1" noResize="1" noEditPoints="1" noAdjustHandles="1" noChangeArrowheads="1" noChangeShapeType="1" noTextEdit="1"/>
+          </p:cNvSpPr>
+          <p:nvPr>
+            <p:extLst>
+              <p:ext uri="{386F3935-93C4-4BCD-93E2-E3B085C9AB24}">
+                <p16:designElem xmlns:p16="http://schemas.microsoft.com/office/powerpoint/2015/main" val="1"/>
+              </p:ext>
+            </p:extLst>
+          </p:nvPr>
+        </p:nvSpPr>
+        <p:spPr>
+          <a:xfrm>
+            <a:off x="414887" y="5456304"/>
+            <a:ext cx="3430715" cy="21945"/>
+          </a:xfrm>
+          <a:prstGeom prst="rect">
+            <a:avLst/>
+          </a:prstGeom>
+          <a:solidFill>
+            <a:schemeClr val="tx1"/>
+          </a:solidFill>
+          <a:ln w="3175">
+            <a:noFill/>
+          </a:ln>
+          <a:effectLst/>
+        </p:spPr>
+        <p:style>
+          <a:lnRef idx="2">
+            <a:schemeClr val="accent1">
+              <a:shade val="50000"/>
+            </a:schemeClr>
+          </a:lnRef>
+          <a:fillRef idx="1">
+            <a:schemeClr val="accent1"/>
+          </a:fillRef>
+          <a:effectRef idx="0">
+            <a:schemeClr val="accent1"/>
+          </a:effectRef>
+          <a:fontRef idx="minor">
+            <a:schemeClr val="lt1"/>
+          </a:fontRef>
+        </p:style>
+        <p:txBody>
+          <a:bodyPr rtlCol="0" anchor="ctr"/>
+          <a:lstStyle/>
+          <a:p>
+            <a:pPr marL="0" marR="0" lvl="0" indent="0" algn="ctr" defTabSz="914400" rtl="0" eaLnBrk="1" fontAlgn="auto" latinLnBrk="0" hangingPunct="1">
+              <a:lnSpc>
+                <a:spcPct val="100000"/>
+              </a:lnSpc>
               <a:spcBef>
-                <a:spcPts val="100"/>
+                <a:spcPts val="0"/>
               </a:spcBef>
+              <a:spcAft>
+                <a:spcPts val="0"/>
+              </a:spcAft>
+              <a:buClrTx/>
+              <a:buSzTx/>
+              <a:buFontTx/>
+              <a:buNone/>
+              <a:tabLst/>
+              <a:defRPr/>
             </a:pPr>
-            <a:r>
-              <a:rPr lang="en-US" sz="2000" b="1" dirty="0"/>
-              <a:t>Capstone 2 - Create a terminal based, 2D game, written in Java</a:t>
-            </a:r>
-          </a:p>
-          <a:p>
-            <a:endParaRPr lang="en-US" spc="-10" dirty="0">
-              <a:latin typeface="Arial"/>
-              <a:cs typeface="Arial"/>
+            <a:endParaRPr kumimoji="0" lang="en-US" sz="1800" b="0" i="0" u="none" strike="noStrike" kern="1200" cap="none" spc="0" normalizeH="0" baseline="0" noProof="0">
+              <a:ln>
+                <a:noFill/>
+              </a:ln>
+              <a:solidFill>
+                <a:prstClr val="white"/>
+              </a:solidFill>
+              <a:effectLst/>
+              <a:uLnTx/>
+              <a:uFillTx/>
+              <a:latin typeface="Calibri" panose="020F0502020204030204"/>
+              <a:ea typeface="+mn-ea"/>
+              <a:cs typeface="+mn-cs"/>
             </a:endParaRPr>
-          </a:p>
-          <a:p>
-            <a:r>
-              <a:rPr lang="en-US" b="1" i="1" dirty="0"/>
-              <a:t>Understand the Problem</a:t>
-            </a:r>
-            <a:endParaRPr lang="en-US" dirty="0"/>
-          </a:p>
-          <a:p>
-            <a:pPr lvl="1"/>
-            <a:r>
-              <a:rPr lang="en-US" b="1" dirty="0"/>
-              <a:t>Problem Statement</a:t>
-            </a:r>
-            <a:r>
-              <a:rPr lang="en-US" dirty="0"/>
-              <a:t>: Design a functional checkers game using OOP in Java</a:t>
-            </a:r>
-          </a:p>
-          <a:p>
-            <a:pPr lvl="1"/>
-            <a:r>
-              <a:rPr lang="en-US" dirty="0"/>
-              <a:t>No AI will be used for the program. Rather, this game is meant for two human opponents to play against each other. </a:t>
-            </a:r>
-          </a:p>
-          <a:p>
-            <a:pPr lvl="1"/>
-            <a:r>
-              <a:rPr lang="en-US" dirty="0"/>
-              <a:t>A game of checkers involves pieces, and an 8x8 checker board.</a:t>
-            </a:r>
-          </a:p>
-          <a:p>
-            <a:endParaRPr lang="en-US" dirty="0"/>
-          </a:p>
-          <a:p>
-            <a:r>
-              <a:rPr lang="en-US" b="1" dirty="0"/>
-              <a:t>Devising a Plan</a:t>
-            </a:r>
-            <a:endParaRPr lang="en-US" dirty="0"/>
-          </a:p>
-          <a:p>
-            <a:pPr lvl="1"/>
-            <a:r>
-              <a:rPr lang="en-US" dirty="0"/>
-              <a:t>Start with the main classes:</a:t>
-            </a:r>
-          </a:p>
-          <a:p>
-            <a:pPr lvl="1" fontAlgn="base"/>
-            <a:r>
-              <a:rPr lang="en-US" b="1" dirty="0"/>
-              <a:t>Checker:</a:t>
-            </a:r>
-            <a:r>
-              <a:rPr lang="en-US" dirty="0"/>
-              <a:t> Each checker will be placed on the board in its own square. This class is an abstract class. The extended class is King which will implement the abstracted operations. </a:t>
-            </a:r>
-          </a:p>
-          <a:p>
-            <a:pPr lvl="1" fontAlgn="base"/>
-            <a:r>
-              <a:rPr lang="en-US" b="1" dirty="0"/>
-              <a:t>Board:</a:t>
-            </a:r>
-            <a:r>
-              <a:rPr lang="en-US" dirty="0"/>
-              <a:t> Board is an 8×8 checker board containing the active checkers pieces.</a:t>
-            </a:r>
-          </a:p>
-          <a:p>
-            <a:pPr lvl="1" fontAlgn="base"/>
-            <a:r>
-              <a:rPr lang="en-US" b="1" dirty="0"/>
-              <a:t>Spot:</a:t>
-            </a:r>
-            <a:r>
-              <a:rPr lang="en-US" dirty="0"/>
-              <a:t> A spot represents one square of the 8×8 grid (board) and an optional piece.</a:t>
-            </a:r>
-          </a:p>
-          <a:p>
-            <a:pPr lvl="1" fontAlgn="base"/>
-            <a:r>
-              <a:rPr lang="en-US" b="1" dirty="0"/>
-              <a:t>Player:</a:t>
-            </a:r>
-            <a:r>
-              <a:rPr lang="en-US" dirty="0"/>
-              <a:t> Player class represents one of the participants playing the game.</a:t>
-            </a:r>
-          </a:p>
-          <a:p>
-            <a:pPr lvl="1" fontAlgn="base"/>
-            <a:r>
-              <a:rPr lang="en-US" b="1" dirty="0"/>
-              <a:t>Move:</a:t>
-            </a:r>
-            <a:r>
-              <a:rPr lang="en-US" dirty="0"/>
-              <a:t> Represents a game move, containing the starting and ending spot. The Move class will also keep track of the player who made the move.</a:t>
-            </a:r>
-          </a:p>
-          <a:p>
-            <a:pPr lvl="1" fontAlgn="base"/>
-            <a:r>
-              <a:rPr lang="en-US" b="1" dirty="0"/>
-              <a:t>Game:</a:t>
-            </a:r>
-            <a:r>
-              <a:rPr lang="en-US" dirty="0"/>
-              <a:t> This class controls the flow of a game. It keeps track of all the game moves, which player has the current turn, and the final result of the game.</a:t>
-            </a:r>
           </a:p>
         </p:txBody>
       </p:sp>
     </p:spTree>
     <p:extLst>
       <p:ext uri="{BB962C8B-B14F-4D97-AF65-F5344CB8AC3E}">
-        <p14:creationId xmlns:p14="http://schemas.microsoft.com/office/powerpoint/2010/main" val="1208771149"/>
+        <p14:creationId xmlns:p14="http://schemas.microsoft.com/office/powerpoint/2010/main" val="1073710356"/>
       </p:ext>
     </p:extLst>
   </p:cSld>
   <p:clrMapOvr>
-    <a:masterClrMapping/>
+    <a:overrideClrMapping bg1="dk1" tx1="lt1" bg2="dk2" tx2="lt2" accent1="accent1" accent2="accent2" accent3="accent3" accent4="accent4" accent5="accent5" accent6="accent6" hlink="hlink" folHlink="folHlink"/>
   </p:clrMapOvr>
 </p:sld>
 </file>
@@ -4369,7 +5026,7 @@
         <p:spPr>
           <a:xfrm>
             <a:off x="685800" y="1295400"/>
-            <a:ext cx="9220200" cy="6217087"/>
+            <a:ext cx="9220200" cy="5386090"/>
           </a:xfrm>
           <a:prstGeom prst="rect">
             <a:avLst/>
@@ -4392,146 +5049,124 @@
             </a:r>
           </a:p>
           <a:p>
+            <a:endParaRPr lang="en-US" spc="-10" dirty="0">
+              <a:latin typeface="Arial"/>
+              <a:cs typeface="Arial"/>
+            </a:endParaRPr>
+          </a:p>
+          <a:p>
+            <a:r>
+              <a:rPr lang="en-US" b="1" i="1" dirty="0"/>
+              <a:t>Understand the Problem</a:t>
+            </a:r>
             <a:endParaRPr lang="en-US" dirty="0"/>
           </a:p>
           <a:p>
+            <a:pPr lvl="1"/>
             <a:r>
               <a:rPr lang="en-US" b="1" dirty="0"/>
-              <a:t>Carrying Out The Plan</a:t>
-            </a:r>
+              <a:t>Problem Statement</a:t>
+            </a:r>
+            <a:r>
+              <a:rPr lang="en-US" dirty="0"/>
+              <a:t>: Design a functional checkers game using OOP in Java</a:t>
+            </a:r>
+          </a:p>
+          <a:p>
+            <a:pPr lvl="1"/>
+            <a:r>
+              <a:rPr lang="en-US" dirty="0"/>
+              <a:t>No AI will be used for the program. Rather, this game is meant for two human opponents to play against each other. </a:t>
+            </a:r>
+          </a:p>
+          <a:p>
+            <a:pPr lvl="1"/>
+            <a:r>
+              <a:rPr lang="en-US" dirty="0"/>
+              <a:t>A game of checkers involves pieces, and an 8x8 checker board.</a:t>
+            </a:r>
+          </a:p>
+          <a:p>
             <a:endParaRPr lang="en-US" dirty="0"/>
           </a:p>
           <a:p>
+            <a:r>
+              <a:rPr lang="en-US" b="1" dirty="0"/>
+              <a:t>Devising a Plan</a:t>
+            </a:r>
+            <a:endParaRPr lang="en-US" dirty="0"/>
+          </a:p>
+          <a:p>
             <a:pPr lvl="1"/>
             <a:r>
               <a:rPr lang="en-US" dirty="0"/>
-              <a:t>After creating a new Board object, design a method which calls Board::</a:t>
-            </a:r>
-            <a:r>
-              <a:rPr lang="en-US" dirty="0" err="1"/>
-              <a:t>TryToMove</a:t>
+              <a:t>Start with the main classes:</a:t>
+            </a:r>
+          </a:p>
+          <a:p>
+            <a:pPr lvl="1" fontAlgn="base"/>
+            <a:r>
+              <a:rPr lang="en-US" b="1" dirty="0"/>
+              <a:t>Checker:</a:t>
             </a:r>
             <a:r>
               <a:rPr lang="en-US" dirty="0"/>
-              <a:t>() to try to make a given move. The piece occupying a space on the board at a given time may be accessed by calling Board::</a:t>
-            </a:r>
-            <a:r>
-              <a:rPr lang="en-US" dirty="0" err="1"/>
-              <a:t>PieceAt</a:t>
+              <a:t> Each checker will be placed on the board in its own square. This class is an abstract class. The extended class is King which will implement the abstracted operations. </a:t>
+            </a:r>
+          </a:p>
+          <a:p>
+            <a:pPr lvl="1" fontAlgn="base"/>
+            <a:r>
+              <a:rPr lang="en-US" b="1" dirty="0"/>
+              <a:t>Board:</a:t>
             </a:r>
             <a:r>
               <a:rPr lang="en-US" dirty="0"/>
-              <a:t>().</a:t>
-            </a:r>
-          </a:p>
-          <a:p>
-            <a:pPr lvl="1"/>
+              <a:t> Board is an 8×8 checker board containing the active checkers pieces.</a:t>
+            </a:r>
+          </a:p>
+          <a:p>
+            <a:pPr lvl="1" fontAlgn="base"/>
             <a:r>
               <a:rPr lang="en-US" b="1" dirty="0"/>
-              <a:t>Point class:</a:t>
+              <a:t>Spot:</a:t>
             </a:r>
             <a:r>
               <a:rPr lang="en-US" dirty="0"/>
-              <a:t> Since we are dealing with two dimensional coordinates, implement a class called Point, which allows the program return two dimensional results from methods such as </a:t>
-            </a:r>
-            <a:r>
-              <a:rPr lang="en-US" dirty="0" err="1"/>
-              <a:t>GetPosition</a:t>
+              <a:t> A spot represents one square of the 8×8 grid (board) and an optional piece.</a:t>
+            </a:r>
+          </a:p>
+          <a:p>
+            <a:pPr lvl="1" fontAlgn="base"/>
+            <a:r>
+              <a:rPr lang="en-US" b="1" dirty="0"/>
+              <a:t>Player:</a:t>
             </a:r>
             <a:r>
               <a:rPr lang="en-US" dirty="0"/>
-              <a:t>().</a:t>
-            </a:r>
-          </a:p>
-          <a:p>
-            <a:pPr lvl="1"/>
+              <a:t> Player class represents one of the participants playing the game.</a:t>
+            </a:r>
+          </a:p>
+          <a:p>
+            <a:pPr lvl="1" fontAlgn="base"/>
             <a:r>
               <a:rPr lang="en-US" b="1" dirty="0"/>
-              <a:t>Board class:</a:t>
+              <a:t>Move:</a:t>
             </a:r>
             <a:r>
               <a:rPr lang="en-US" dirty="0"/>
-              <a:t> The board class will represent the playing board itself. It will keep track of which pieces are in which positions at a given moment.</a:t>
-            </a:r>
-          </a:p>
-          <a:p>
-            <a:pPr lvl="1"/>
+              <a:t> Represents a game move, containing the starting and ending spot. The Move class will also keep track of the player who made the move.</a:t>
+            </a:r>
+          </a:p>
+          <a:p>
+            <a:pPr lvl="1" fontAlgn="base"/>
             <a:r>
               <a:rPr lang="en-US" b="1" dirty="0"/>
-              <a:t>King class:</a:t>
+              <a:t>Game:</a:t>
             </a:r>
             <a:r>
               <a:rPr lang="en-US" dirty="0"/>
-              <a:t> This class inherits from Piece and defines its own </a:t>
-            </a:r>
-            <a:r>
-              <a:rPr lang="en-US" dirty="0" err="1"/>
-              <a:t>CanMove</a:t>
-            </a:r>
-            <a:r>
-              <a:rPr lang="en-US" dirty="0"/>
-              <a:t>() and </a:t>
-            </a:r>
-            <a:r>
-              <a:rPr lang="en-US" dirty="0" err="1"/>
-              <a:t>TryToMove</a:t>
-            </a:r>
-            <a:r>
-              <a:rPr lang="en-US" dirty="0"/>
-              <a:t>(). A King is can move forward and backwards.</a:t>
-            </a:r>
-          </a:p>
-          <a:p>
-            <a:pPr lvl="1"/>
-            <a:endParaRPr lang="en-US" dirty="0"/>
-          </a:p>
-          <a:p>
-            <a:r>
-              <a:rPr lang="en-US" b="1" dirty="0"/>
-              <a:t>Looking Back</a:t>
-            </a:r>
-            <a:endParaRPr lang="en-US" dirty="0"/>
-          </a:p>
-          <a:p>
-            <a:pPr lvl="1"/>
-            <a:r>
-              <a:rPr lang="en-US" dirty="0"/>
-              <a:t>Include elements of the game using Java classes that adhere to the four pillars of Object Oriented Programming:</a:t>
-            </a:r>
-          </a:p>
-          <a:p>
-            <a:pPr lvl="1"/>
-            <a:r>
-              <a:rPr lang="en-US" dirty="0"/>
-              <a:t>	Encapsulation, Inheritance, Abstraction, Polymorphism</a:t>
-            </a:r>
-          </a:p>
-          <a:p>
-            <a:pPr lvl="1"/>
-            <a:r>
-              <a:rPr lang="en-US" dirty="0"/>
-              <a:t>Each "game object" or "entity" of your game must be modelled using a Java Class</a:t>
-            </a:r>
-          </a:p>
-          <a:p>
-            <a:pPr lvl="1"/>
-            <a:r>
-              <a:rPr lang="en-US" dirty="0"/>
-              <a:t>Implement at least 1 Interface, 1 Abstract class, 1 lambda expression, and 1 stream.</a:t>
-            </a:r>
-          </a:p>
-          <a:p>
-            <a:pPr lvl="1"/>
-            <a:r>
-              <a:rPr lang="en-US" dirty="0"/>
-              <a:t>Have an organized and logical project structure with at least 1 package</a:t>
-            </a:r>
-          </a:p>
-          <a:p>
-            <a:pPr lvl="1"/>
-            <a:r>
-              <a:rPr lang="en-US" dirty="0"/>
-              <a:t>Have some type of error handling for bad user input (incorrect key press, etc.)</a:t>
+              <a:t> This class controls the flow of a game. It keeps track of all the game moves, which player has the current turn, and the final result of the game.</a:t>
             </a:r>
           </a:p>
         </p:txBody>
@@ -4539,7 +5174,7 @@
     </p:spTree>
     <p:extLst>
       <p:ext uri="{BB962C8B-B14F-4D97-AF65-F5344CB8AC3E}">
-        <p14:creationId xmlns:p14="http://schemas.microsoft.com/office/powerpoint/2010/main" val="1678273682"/>
+        <p14:creationId xmlns:p14="http://schemas.microsoft.com/office/powerpoint/2010/main" val="1208771149"/>
       </p:ext>
     </p:extLst>
   </p:cSld>
@@ -4568,13 +5203,7 @@
       </p:grpSpPr>
       <p:sp>
         <p:nvSpPr>
-          <p:cNvPr id="5" name="object 3">
-            <a:extLst>
-              <a:ext uri="{FF2B5EF4-FFF2-40B4-BE49-F238E27FC236}">
-                <a16:creationId xmlns:a16="http://schemas.microsoft.com/office/drawing/2014/main" id="{6971D2CE-E6C5-B44F-A75D-6CA9DAFB241D}"/>
-              </a:ext>
-            </a:extLst>
-          </p:cNvPr>
+          <p:cNvPr id="3" name="object 3"/>
           <p:cNvSpPr txBox="1">
             <a:spLocks noGrp="1"/>
           </p:cNvSpPr>
@@ -4584,8 +5213,8 @@
         </p:nvSpPr>
         <p:spPr>
           <a:xfrm>
-            <a:off x="4191000" y="734055"/>
-            <a:ext cx="5241290" cy="505267"/>
+            <a:off x="762000" y="703277"/>
+            <a:ext cx="8202902" cy="505267"/>
           </a:xfrm>
           <a:prstGeom prst="rect">
             <a:avLst/>
@@ -4597,7 +5226,7 @@
           </a:bodyPr>
           <a:lstStyle/>
           <a:p>
-            <a:pPr marL="12700" algn="r">
+            <a:pPr marL="12700">
               <a:lnSpc>
                 <a:spcPct val="100000"/>
               </a:lnSpc>
@@ -4606,28 +5235,12 @@
               </a:spcBef>
             </a:pPr>
             <a:r>
-              <a:rPr lang="en-US" sz="3200" spc="-105" dirty="0">
+              <a:rPr lang="en-US" sz="3200" spc="-215" dirty="0">
                 <a:solidFill>
                   <a:srgbClr val="0070C0"/>
                 </a:solidFill>
               </a:rPr>
-              <a:t>Java Class</a:t>
-            </a:r>
-            <a:r>
-              <a:rPr sz="3200" spc="-265" dirty="0">
-                <a:solidFill>
-                  <a:srgbClr val="0070C0"/>
-                </a:solidFill>
-              </a:rPr>
-              <a:t> </a:t>
-            </a:r>
-            <a:r>
-              <a:rPr sz="3200" spc="-155" dirty="0">
-                <a:solidFill>
-                  <a:srgbClr val="0070C0"/>
-                </a:solidFill>
-              </a:rPr>
-              <a:t>Map</a:t>
+              <a:t>Website Objectives: UPER</a:t>
             </a:r>
             <a:endParaRPr sz="3200" dirty="0">
               <a:solidFill>
@@ -4639,33 +5252,190 @@
       </p:sp>
       <p:sp>
         <p:nvSpPr>
-          <p:cNvPr id="3" name="Content Placeholder 2">
-            <a:extLst>
-              <a:ext uri="{FF2B5EF4-FFF2-40B4-BE49-F238E27FC236}">
-                <a16:creationId xmlns:a16="http://schemas.microsoft.com/office/drawing/2014/main" id="{24FB64DA-5BA0-C74D-AB81-C7A74E9D5B00}"/>
-              </a:ext>
-            </a:extLst>
-          </p:cNvPr>
-          <p:cNvSpPr>
-            <a:spLocks noGrp="1"/>
-          </p:cNvSpPr>
-          <p:nvPr>
-            <p:ph idx="1"/>
-          </p:nvPr>
-        </p:nvSpPr>
-        <p:spPr/>
-        <p:txBody>
-          <a:bodyPr/>
-          <a:lstStyle/>
-          <a:p>
-            <a:endParaRPr lang="en-US"/>
+          <p:cNvPr id="8" name="Rectangle 7">
+            <a:extLst>
+              <a:ext uri="{FF2B5EF4-FFF2-40B4-BE49-F238E27FC236}">
+                <a16:creationId xmlns:a16="http://schemas.microsoft.com/office/drawing/2014/main" id="{CECDAE13-1011-E545-86FE-E1BA547BB3DB}"/>
+              </a:ext>
+            </a:extLst>
+          </p:cNvPr>
+          <p:cNvSpPr/>
+          <p:nvPr/>
+        </p:nvSpPr>
+        <p:spPr>
+          <a:xfrm>
+            <a:off x="685800" y="1295400"/>
+            <a:ext cx="9220200" cy="6217087"/>
+          </a:xfrm>
+          <a:prstGeom prst="rect">
+            <a:avLst/>
+          </a:prstGeom>
+        </p:spPr>
+        <p:txBody>
+          <a:bodyPr wrap="square">
+            <a:spAutoFit/>
+          </a:bodyPr>
+          <a:lstStyle/>
+          <a:p>
+            <a:pPr marL="12700" algn="ctr">
+              <a:spcBef>
+                <a:spcPts val="100"/>
+              </a:spcBef>
+            </a:pPr>
+            <a:r>
+              <a:rPr lang="en-US" sz="2000" b="1" dirty="0"/>
+              <a:t>Capstone 2 - Create a terminal based, 2D game, written in Java</a:t>
+            </a:r>
+          </a:p>
+          <a:p>
+            <a:endParaRPr lang="en-US" dirty="0"/>
+          </a:p>
+          <a:p>
+            <a:r>
+              <a:rPr lang="en-US" b="1" dirty="0"/>
+              <a:t>Carrying Out The Plan</a:t>
+            </a:r>
+            <a:endParaRPr lang="en-US" dirty="0"/>
+          </a:p>
+          <a:p>
+            <a:pPr lvl="1"/>
+            <a:r>
+              <a:rPr lang="en-US" dirty="0"/>
+              <a:t>After creating a new Board object, design a method which calls Board::</a:t>
+            </a:r>
+            <a:r>
+              <a:rPr lang="en-US" dirty="0" err="1"/>
+              <a:t>TryToMove</a:t>
+            </a:r>
+            <a:r>
+              <a:rPr lang="en-US" dirty="0"/>
+              <a:t>() to try to make a given move. The piece occupying a space on the board at a given time may be accessed by calling Board::</a:t>
+            </a:r>
+            <a:r>
+              <a:rPr lang="en-US" dirty="0" err="1"/>
+              <a:t>PieceAt</a:t>
+            </a:r>
+            <a:r>
+              <a:rPr lang="en-US" dirty="0"/>
+              <a:t>().</a:t>
+            </a:r>
+          </a:p>
+          <a:p>
+            <a:pPr lvl="1"/>
+            <a:r>
+              <a:rPr lang="en-US" b="1" dirty="0"/>
+              <a:t>Point class:</a:t>
+            </a:r>
+            <a:r>
+              <a:rPr lang="en-US" dirty="0"/>
+              <a:t> Since we are dealing with two dimensional coordinates, implement a class called Point, which allows the program return two dimensional results from methods such as </a:t>
+            </a:r>
+            <a:r>
+              <a:rPr lang="en-US" dirty="0" err="1"/>
+              <a:t>GetPosition</a:t>
+            </a:r>
+            <a:r>
+              <a:rPr lang="en-US" dirty="0"/>
+              <a:t>().</a:t>
+            </a:r>
+          </a:p>
+          <a:p>
+            <a:pPr lvl="1"/>
+            <a:r>
+              <a:rPr lang="en-US" b="1" dirty="0"/>
+              <a:t>Board class:</a:t>
+            </a:r>
+            <a:r>
+              <a:rPr lang="en-US" dirty="0"/>
+              <a:t> The board class will represent the playing board itself. It will keep track of which pieces are in which positions at a given moment.</a:t>
+            </a:r>
+          </a:p>
+          <a:p>
+            <a:pPr lvl="1"/>
+            <a:r>
+              <a:rPr lang="en-US" b="1" dirty="0"/>
+              <a:t>King class:</a:t>
+            </a:r>
+            <a:r>
+              <a:rPr lang="en-US" dirty="0"/>
+              <a:t> This class inherits from Piece and defines its own </a:t>
+            </a:r>
+            <a:r>
+              <a:rPr lang="en-US" dirty="0" err="1"/>
+              <a:t>CanMove</a:t>
+            </a:r>
+            <a:r>
+              <a:rPr lang="en-US" dirty="0"/>
+              <a:t>() and </a:t>
+            </a:r>
+            <a:r>
+              <a:rPr lang="en-US" dirty="0" err="1"/>
+              <a:t>TryToMove</a:t>
+            </a:r>
+            <a:r>
+              <a:rPr lang="en-US" dirty="0"/>
+              <a:t>(). A King is can move forward and backwards.</a:t>
+            </a:r>
+          </a:p>
+          <a:p>
+            <a:pPr lvl="1"/>
+            <a:endParaRPr lang="en-US" dirty="0"/>
+          </a:p>
+          <a:p>
+            <a:r>
+              <a:rPr lang="en-US" b="1" dirty="0"/>
+              <a:t>Looking Back</a:t>
+            </a:r>
+            <a:endParaRPr lang="en-US" dirty="0"/>
+          </a:p>
+          <a:p>
+            <a:pPr lvl="1"/>
+            <a:r>
+              <a:rPr lang="en-US" dirty="0"/>
+              <a:t>Include elements of the game using Java classes that adhere to the four pillars of Object Oriented Programming:</a:t>
+            </a:r>
+          </a:p>
+          <a:p>
+            <a:pPr lvl="1"/>
+            <a:r>
+              <a:rPr lang="en-US" dirty="0"/>
+              <a:t>	Encapsulation, Inheritance, Abstraction, Polymorphism</a:t>
+            </a:r>
+          </a:p>
+          <a:p>
+            <a:pPr lvl="1"/>
+            <a:r>
+              <a:rPr lang="en-US" dirty="0"/>
+              <a:t>Each "game object" or "entity" of your game must be modelled using a Java Class</a:t>
+            </a:r>
+          </a:p>
+          <a:p>
+            <a:pPr lvl="1"/>
+            <a:r>
+              <a:rPr lang="en-US" dirty="0"/>
+              <a:t>Implement at least 1 Interface, 1 Abstract class, 1 lambda expression, and 1 stream.</a:t>
+            </a:r>
+          </a:p>
+          <a:p>
+            <a:pPr lvl="1"/>
+            <a:r>
+              <a:rPr lang="en-US" dirty="0"/>
+              <a:t>Have an organized and logical project structure with at least 1 package</a:t>
+            </a:r>
+          </a:p>
+          <a:p>
+            <a:pPr lvl="1"/>
+            <a:r>
+              <a:rPr lang="en-US" dirty="0"/>
+              <a:t>Have some type of error handling for bad user input (incorrect key press, etc.)</a:t>
+            </a:r>
           </a:p>
         </p:txBody>
       </p:sp>
     </p:spTree>
     <p:extLst>
       <p:ext uri="{BB962C8B-B14F-4D97-AF65-F5344CB8AC3E}">
-        <p14:creationId xmlns:p14="http://schemas.microsoft.com/office/powerpoint/2010/main" val="3875581340"/>
+        <p14:creationId xmlns:p14="http://schemas.microsoft.com/office/powerpoint/2010/main" val="1678273682"/>
       </p:ext>
     </p:extLst>
   </p:cSld>
@@ -4694,87 +5464,24 @@
       </p:grpSpPr>
       <p:sp>
         <p:nvSpPr>
-          <p:cNvPr id="2" name="object 2"/>
-          <p:cNvSpPr txBox="1"/>
-          <p:nvPr/>
+          <p:cNvPr id="5" name="object 3">
+            <a:extLst>
+              <a:ext uri="{FF2B5EF4-FFF2-40B4-BE49-F238E27FC236}">
+                <a16:creationId xmlns:a16="http://schemas.microsoft.com/office/drawing/2014/main" id="{6971D2CE-E6C5-B44F-A75D-6CA9DAFB241D}"/>
+              </a:ext>
+            </a:extLst>
+          </p:cNvPr>
+          <p:cNvSpPr txBox="1">
+            <a:spLocks noGrp="1"/>
+          </p:cNvSpPr>
+          <p:nvPr>
+            <p:ph type="title"/>
+          </p:nvPr>
         </p:nvSpPr>
         <p:spPr>
           <a:xfrm>
-            <a:off x="1130300" y="7490711"/>
-            <a:ext cx="617220" cy="197490"/>
-          </a:xfrm>
-          <a:prstGeom prst="rect">
-            <a:avLst/>
-          </a:prstGeom>
-        </p:spPr>
-        <p:txBody>
-          <a:bodyPr vert="horz" wrap="square" lIns="0" tIns="12700" rIns="0" bIns="0" rtlCol="0">
-            <a:spAutoFit/>
-          </a:bodyPr>
-          <a:lstStyle/>
-          <a:p>
-            <a:pPr marL="12700">
-              <a:lnSpc>
-                <a:spcPct val="100000"/>
-              </a:lnSpc>
-              <a:spcBef>
-                <a:spcPts val="100"/>
-              </a:spcBef>
-            </a:pPr>
-            <a:r>
-              <a:rPr sz="1200" spc="-75" dirty="0">
-                <a:solidFill>
-                  <a:srgbClr val="0070C0"/>
-                </a:solidFill>
-                <a:latin typeface="Arial"/>
-                <a:cs typeface="Arial"/>
-              </a:rPr>
-              <a:t>PAGE</a:t>
-            </a:r>
-            <a:r>
-              <a:rPr sz="1200" spc="-100" dirty="0">
-                <a:solidFill>
-                  <a:srgbClr val="231F20"/>
-                </a:solidFill>
-                <a:latin typeface="Arial"/>
-                <a:cs typeface="Arial"/>
-              </a:rPr>
-              <a:t> </a:t>
-            </a:r>
-            <a:r>
-              <a:rPr lang="en-US" sz="1200" spc="-15" dirty="0">
-                <a:solidFill>
-                  <a:srgbClr val="00B050"/>
-                </a:solidFill>
-                <a:latin typeface="Arial"/>
-                <a:cs typeface="Arial"/>
-              </a:rPr>
-              <a:t>18</a:t>
-            </a:r>
-            <a:endParaRPr sz="1200" dirty="0">
-              <a:solidFill>
-                <a:srgbClr val="00B050"/>
-              </a:solidFill>
-              <a:latin typeface="Arial"/>
-              <a:cs typeface="Arial"/>
-            </a:endParaRPr>
-          </a:p>
-        </p:txBody>
-      </p:sp>
-      <p:sp>
-        <p:nvSpPr>
-          <p:cNvPr id="3" name="object 3"/>
-          <p:cNvSpPr txBox="1">
-            <a:spLocks noGrp="1"/>
-          </p:cNvSpPr>
-          <p:nvPr>
-            <p:ph type="title"/>
-          </p:nvPr>
-        </p:nvSpPr>
-        <p:spPr>
-          <a:xfrm>
-            <a:off x="1130300" y="734055"/>
-            <a:ext cx="8206943" cy="505267"/>
+            <a:off x="4191000" y="734055"/>
+            <a:ext cx="5241290" cy="505267"/>
           </a:xfrm>
           <a:prstGeom prst="rect">
             <a:avLst/>
@@ -4795,28 +5502,28 @@
               </a:spcBef>
             </a:pPr>
             <a:r>
-              <a:rPr sz="3200" spc="-95" dirty="0">
+              <a:rPr lang="en-US" sz="3200" spc="-105" dirty="0">
                 <a:solidFill>
                   <a:srgbClr val="0070C0"/>
                 </a:solidFill>
               </a:rPr>
-              <a:t>Wireframes </a:t>
-            </a:r>
-            <a:r>
-              <a:rPr sz="3200" spc="-340" dirty="0">
+              <a:t>Java Class</a:t>
+            </a:r>
+            <a:r>
+              <a:rPr sz="3200" spc="-265" dirty="0">
                 <a:solidFill>
                   <a:srgbClr val="0070C0"/>
                 </a:solidFill>
               </a:rPr>
-              <a:t>&amp; </a:t>
-            </a:r>
-            <a:r>
-              <a:rPr sz="3200" spc="-204" dirty="0">
+              <a:t> </a:t>
+            </a:r>
+            <a:r>
+              <a:rPr sz="3200" spc="-155" dirty="0">
                 <a:solidFill>
                   <a:srgbClr val="0070C0"/>
                 </a:solidFill>
               </a:rPr>
-              <a:t>Design</a:t>
+              <a:t>Map</a:t>
             </a:r>
             <a:endParaRPr sz="3200" dirty="0">
               <a:solidFill>
@@ -4826,10 +5533,35 @@
           </a:p>
         </p:txBody>
       </p:sp>
+      <p:sp>
+        <p:nvSpPr>
+          <p:cNvPr id="3" name="Content Placeholder 2">
+            <a:extLst>
+              <a:ext uri="{FF2B5EF4-FFF2-40B4-BE49-F238E27FC236}">
+                <a16:creationId xmlns:a16="http://schemas.microsoft.com/office/drawing/2014/main" id="{24FB64DA-5BA0-C74D-AB81-C7A74E9D5B00}"/>
+              </a:ext>
+            </a:extLst>
+          </p:cNvPr>
+          <p:cNvSpPr>
+            <a:spLocks noGrp="1"/>
+          </p:cNvSpPr>
+          <p:nvPr>
+            <p:ph idx="1"/>
+          </p:nvPr>
+        </p:nvSpPr>
+        <p:spPr/>
+        <p:txBody>
+          <a:bodyPr/>
+          <a:lstStyle/>
+          <a:p>
+            <a:endParaRPr lang="en-US"/>
+          </a:p>
+        </p:txBody>
+      </p:sp>
     </p:spTree>
     <p:extLst>
       <p:ext uri="{BB962C8B-B14F-4D97-AF65-F5344CB8AC3E}">
-        <p14:creationId xmlns:p14="http://schemas.microsoft.com/office/powerpoint/2010/main" val="4248287362"/>
+        <p14:creationId xmlns:p14="http://schemas.microsoft.com/office/powerpoint/2010/main" val="3875581340"/>
       </p:ext>
     </p:extLst>
   </p:cSld>
@@ -4840,7 +5572,7 @@
 </file>
 
 <file path=ppt/slides/slide5.xml><?xml version="1.0" encoding="utf-8"?>
-<p:sld xmlns:a="http://schemas.openxmlformats.org/drawingml/2006/main" xmlns:r="http://schemas.openxmlformats.org/officeDocument/2006/relationships" xmlns:p="http://schemas.openxmlformats.org/presentationml/2006/main" showMasterSp="0">
+<p:sld xmlns:a="http://schemas.openxmlformats.org/drawingml/2006/main" xmlns:r="http://schemas.openxmlformats.org/officeDocument/2006/relationships" xmlns:p="http://schemas.openxmlformats.org/presentationml/2006/main">
   <p:cSld>
     <p:spTree>
       <p:nvGrpSpPr>
@@ -4858,6 +5590,210 @@
       </p:grpSpPr>
       <p:sp>
         <p:nvSpPr>
+          <p:cNvPr id="3" name="object 3"/>
+          <p:cNvSpPr txBox="1">
+            <a:spLocks noGrp="1"/>
+          </p:cNvSpPr>
+          <p:nvPr>
+            <p:ph type="title"/>
+          </p:nvPr>
+        </p:nvSpPr>
+        <p:spPr>
+          <a:xfrm>
+            <a:off x="1130300" y="734055"/>
+            <a:ext cx="8206943" cy="505267"/>
+          </a:xfrm>
+          <a:prstGeom prst="rect">
+            <a:avLst/>
+          </a:prstGeom>
+        </p:spPr>
+        <p:txBody>
+          <a:bodyPr vert="horz" wrap="square" lIns="0" tIns="12700" rIns="0" bIns="0" rtlCol="0">
+            <a:spAutoFit/>
+          </a:bodyPr>
+          <a:lstStyle/>
+          <a:p>
+            <a:pPr marL="12700" algn="r">
+              <a:lnSpc>
+                <a:spcPct val="100000"/>
+              </a:lnSpc>
+              <a:spcBef>
+                <a:spcPts val="100"/>
+              </a:spcBef>
+            </a:pPr>
+            <a:r>
+              <a:rPr sz="3200" spc="-95" dirty="0">
+                <a:solidFill>
+                  <a:srgbClr val="0070C0"/>
+                </a:solidFill>
+              </a:rPr>
+              <a:t>Wireframes </a:t>
+            </a:r>
+            <a:r>
+              <a:rPr sz="3200" spc="-340" dirty="0">
+                <a:solidFill>
+                  <a:srgbClr val="0070C0"/>
+                </a:solidFill>
+              </a:rPr>
+              <a:t>&amp; </a:t>
+            </a:r>
+            <a:r>
+              <a:rPr sz="3200" spc="-204" dirty="0">
+                <a:solidFill>
+                  <a:srgbClr val="0070C0"/>
+                </a:solidFill>
+              </a:rPr>
+              <a:t>Design</a:t>
+            </a:r>
+            <a:endParaRPr sz="3200" dirty="0">
+              <a:solidFill>
+                <a:srgbClr val="0070C0"/>
+              </a:solidFill>
+            </a:endParaRPr>
+          </a:p>
+        </p:txBody>
+      </p:sp>
+    </p:spTree>
+    <p:extLst>
+      <p:ext uri="{BB962C8B-B14F-4D97-AF65-F5344CB8AC3E}">
+        <p14:creationId xmlns:p14="http://schemas.microsoft.com/office/powerpoint/2010/main" val="4248287362"/>
+      </p:ext>
+    </p:extLst>
+  </p:cSld>
+  <p:clrMapOvr>
+    <a:masterClrMapping/>
+  </p:clrMapOvr>
+</p:sld>
+</file>
+
+<file path=ppt/slides/slide6.xml><?xml version="1.0" encoding="utf-8"?>
+<p:sld xmlns:a="http://schemas.openxmlformats.org/drawingml/2006/main" xmlns:r="http://schemas.openxmlformats.org/officeDocument/2006/relationships" xmlns:p="http://schemas.openxmlformats.org/presentationml/2006/main">
+  <p:cSld>
+    <p:spTree>
+      <p:nvGrpSpPr>
+        <p:cNvPr id="1" name=""/>
+        <p:cNvGrpSpPr/>
+        <p:nvPr/>
+      </p:nvGrpSpPr>
+      <p:grpSpPr>
+        <a:xfrm>
+          <a:off x="0" y="0"/>
+          <a:ext cx="0" cy="0"/>
+          <a:chOff x="0" y="0"/>
+          <a:chExt cx="0" cy="0"/>
+        </a:xfrm>
+      </p:grpSpPr>
+      <p:sp>
+        <p:nvSpPr>
+          <p:cNvPr id="3" name="object 3"/>
+          <p:cNvSpPr txBox="1">
+            <a:spLocks noGrp="1"/>
+          </p:cNvSpPr>
+          <p:nvPr>
+            <p:ph type="title"/>
+          </p:nvPr>
+        </p:nvSpPr>
+        <p:spPr>
+          <a:xfrm>
+            <a:off x="1130300" y="734055"/>
+            <a:ext cx="8206943" cy="505267"/>
+          </a:xfrm>
+          <a:prstGeom prst="rect">
+            <a:avLst/>
+          </a:prstGeom>
+        </p:spPr>
+        <p:txBody>
+          <a:bodyPr vert="horz" wrap="square" lIns="0" tIns="12700" rIns="0" bIns="0" rtlCol="0">
+            <a:spAutoFit/>
+          </a:bodyPr>
+          <a:lstStyle/>
+          <a:p>
+            <a:pPr marL="12700" algn="r">
+              <a:lnSpc>
+                <a:spcPct val="100000"/>
+              </a:lnSpc>
+              <a:spcBef>
+                <a:spcPts val="100"/>
+              </a:spcBef>
+            </a:pPr>
+            <a:r>
+              <a:rPr lang="en-US" sz="3200" spc="-95" dirty="0">
+                <a:solidFill>
+                  <a:srgbClr val="0070C0"/>
+                </a:solidFill>
+              </a:rPr>
+              <a:t>Checkers Board</a:t>
+            </a:r>
+            <a:endParaRPr sz="3200" dirty="0">
+              <a:solidFill>
+                <a:srgbClr val="0070C0"/>
+              </a:solidFill>
+            </a:endParaRPr>
+          </a:p>
+        </p:txBody>
+      </p:sp>
+      <p:pic>
+        <p:nvPicPr>
+          <p:cNvPr id="2" name="Picture 1">
+            <a:extLst>
+              <a:ext uri="{FF2B5EF4-FFF2-40B4-BE49-F238E27FC236}">
+                <a16:creationId xmlns:a16="http://schemas.microsoft.com/office/drawing/2014/main" id="{4C49FD6D-D943-4A4E-A058-CB471CC8A1C1}"/>
+              </a:ext>
+            </a:extLst>
+          </p:cNvPr>
+          <p:cNvPicPr>
+            <a:picLocks noChangeAspect="1"/>
+          </p:cNvPicPr>
+          <p:nvPr/>
+        </p:nvPicPr>
+        <p:blipFill>
+          <a:blip r:embed="rId3"/>
+          <a:stretch>
+            <a:fillRect/>
+          </a:stretch>
+        </p:blipFill>
+        <p:spPr>
+          <a:xfrm>
+            <a:off x="2449908" y="1752600"/>
+            <a:ext cx="5160450" cy="5181600"/>
+          </a:xfrm>
+          <a:prstGeom prst="rect">
+            <a:avLst/>
+          </a:prstGeom>
+        </p:spPr>
+      </p:pic>
+    </p:spTree>
+    <p:extLst>
+      <p:ext uri="{BB962C8B-B14F-4D97-AF65-F5344CB8AC3E}">
+        <p14:creationId xmlns:p14="http://schemas.microsoft.com/office/powerpoint/2010/main" val="285626864"/>
+      </p:ext>
+    </p:extLst>
+  </p:cSld>
+  <p:clrMapOvr>
+    <a:masterClrMapping/>
+  </p:clrMapOvr>
+</p:sld>
+</file>
+
+<file path=ppt/slides/slide7.xml><?xml version="1.0" encoding="utf-8"?>
+<p:sld xmlns:a="http://schemas.openxmlformats.org/drawingml/2006/main" xmlns:r="http://schemas.openxmlformats.org/officeDocument/2006/relationships" xmlns:p="http://schemas.openxmlformats.org/presentationml/2006/main">
+  <p:cSld>
+    <p:spTree>
+      <p:nvGrpSpPr>
+        <p:cNvPr id="1" name=""/>
+        <p:cNvGrpSpPr/>
+        <p:nvPr/>
+      </p:nvGrpSpPr>
+      <p:grpSpPr>
+        <a:xfrm>
+          <a:off x="0" y="0"/>
+          <a:ext cx="0" cy="0"/>
+          <a:chOff x="0" y="0"/>
+          <a:chExt cx="0" cy="0"/>
+        </a:xfrm>
+      </p:grpSpPr>
+      <p:sp>
+        <p:nvSpPr>
           <p:cNvPr id="22" name="object 2">
             <a:extLst>
               <a:ext uri="{FF2B5EF4-FFF2-40B4-BE49-F238E27FC236}">
@@ -4901,7 +5837,7 @@
                   <a:srgbClr val="0070C0"/>
                 </a:solidFill>
               </a:rPr>
-              <a:t>Checkers Board</a:t>
+              <a:t>Sources</a:t>
             </a:r>
             <a:endParaRPr sz="3200" spc="-125" dirty="0">
               <a:solidFill>
@@ -4911,7 +5847,102 @@
           </a:p>
         </p:txBody>
       </p:sp>
+      <p:sp>
+        <p:nvSpPr>
+          <p:cNvPr id="5" name="Rectangle 4">
+            <a:extLst>
+              <a:ext uri="{FF2B5EF4-FFF2-40B4-BE49-F238E27FC236}">
+                <a16:creationId xmlns:a16="http://schemas.microsoft.com/office/drawing/2014/main" id="{420F3F56-3079-3B41-B2A0-E90C6E9DF75C}"/>
+              </a:ext>
+            </a:extLst>
+          </p:cNvPr>
+          <p:cNvSpPr/>
+          <p:nvPr/>
+        </p:nvSpPr>
+        <p:spPr>
+          <a:xfrm>
+            <a:off x="685800" y="1295400"/>
+            <a:ext cx="9220200" cy="2585323"/>
+          </a:xfrm>
+          <a:prstGeom prst="rect">
+            <a:avLst/>
+          </a:prstGeom>
+        </p:spPr>
+        <p:txBody>
+          <a:bodyPr wrap="square">
+            <a:spAutoFit/>
+          </a:bodyPr>
+          <a:lstStyle/>
+          <a:p>
+            <a:r>
+              <a:rPr lang="en-US" b="1" dirty="0" err="1"/>
+              <a:t>Youtube</a:t>
+            </a:r>
+            <a:endParaRPr lang="en-US" dirty="0"/>
+          </a:p>
+          <a:p>
+            <a:pPr lvl="1"/>
+            <a:r>
+              <a:rPr lang="en-US" dirty="0">
+                <a:hlinkClick r:id="rId3"/>
+              </a:rPr>
+              <a:t>https://docs.oracle.com/javase/tutorial/uiswing/components/panel.html </a:t>
+            </a:r>
+            <a:endParaRPr lang="en-US" dirty="0"/>
+          </a:p>
+          <a:p>
+            <a:pPr lvl="1"/>
+            <a:r>
+              <a:rPr lang="en-US" dirty="0">
+                <a:hlinkClick r:id="rId4"/>
+              </a:rPr>
+              <a:t>https://www.youtube.com/watch?v=Psq1zAcgqjQ</a:t>
+            </a:r>
+            <a:endParaRPr lang="en-US" dirty="0"/>
+          </a:p>
+          <a:p>
+            <a:pPr lvl="1"/>
+            <a:r>
+              <a:rPr lang="en-US" dirty="0">
+                <a:hlinkClick r:id="rId5"/>
+              </a:rPr>
+              <a:t>https://www.youtube.com/watch?v=6S6km5duBrM</a:t>
+            </a:r>
+            <a:endParaRPr lang="en-US" dirty="0"/>
+          </a:p>
+          <a:p>
+            <a:pPr lvl="1"/>
+            <a:endParaRPr lang="en-US" dirty="0"/>
+          </a:p>
+          <a:p>
+            <a:endParaRPr lang="en-US" b="1" dirty="0"/>
+          </a:p>
+          <a:p>
+            <a:r>
+              <a:rPr lang="en-US" b="1" dirty="0"/>
+              <a:t>Looking Back</a:t>
+            </a:r>
+            <a:endParaRPr lang="en-US" dirty="0"/>
+          </a:p>
+          <a:p>
+            <a:pPr lvl="1"/>
+            <a:r>
+              <a:rPr lang="en-US" dirty="0"/>
+              <a:t>Include elements of the game using Java classes that adhere to the four pillars of Object</a:t>
+            </a:r>
+          </a:p>
+          <a:p>
+            <a:pPr lvl="1"/>
+            <a:endParaRPr lang="en-US" dirty="0"/>
+          </a:p>
+        </p:txBody>
+      </p:sp>
     </p:spTree>
+    <p:extLst>
+      <p:ext uri="{BB962C8B-B14F-4D97-AF65-F5344CB8AC3E}">
+        <p14:creationId xmlns:p14="http://schemas.microsoft.com/office/powerpoint/2010/main" val="3558763774"/>
+      </p:ext>
+    </p:extLst>
   </p:cSld>
   <p:clrMapOvr>
     <a:masterClrMapping/>

--- a/uperCapstone-2.pptx
+++ b/uperCapstone-2.pptx
@@ -12,8 +12,8 @@
     <p:sldId id="290" r:id="rId3"/>
     <p:sldId id="322" r:id="rId4"/>
     <p:sldId id="321" r:id="rId5"/>
-    <p:sldId id="275" r:id="rId6"/>
-    <p:sldId id="326" r:id="rId7"/>
+    <p:sldId id="326" r:id="rId6"/>
+    <p:sldId id="327" r:id="rId7"/>
     <p:sldId id="323" r:id="rId8"/>
   </p:sldIdLst>
   <p:sldSz cx="10515600" cy="8229600"/>
@@ -135,7 +135,7 @@
 <file path=ppt/revisionInfo.xml><?xml version="1.0" encoding="utf-8"?>
 <p1510:revInfo xmlns:a="http://schemas.openxmlformats.org/drawingml/2006/main" xmlns:r="http://schemas.openxmlformats.org/officeDocument/2006/relationships" xmlns:p1510="http://schemas.microsoft.com/office/powerpoint/2015/10/main">
   <p1510:revLst>
-    <p1510:client id="{00E70AD6-8CEE-9B48-AAD4-84810AB26CD2}" v="49" dt="2020-07-09T21:47:12.320"/>
+    <p1510:client id="{00E70AD6-8CEE-9B48-AAD4-84810AB26CD2}" v="58" dt="2020-07-10T04:47:09"/>
   </p1510:revLst>
 </p1510:revInfo>
 </file>
@@ -144,13 +144,13 @@
 <pc:chgInfo xmlns:a="http://schemas.openxmlformats.org/drawingml/2006/main" xmlns:r="http://schemas.openxmlformats.org/officeDocument/2006/relationships" xmlns:ac="http://schemas.microsoft.com/office/drawing/2013/main/command" xmlns:pc="http://schemas.microsoft.com/office/powerpoint/2013/main/command">
   <pc:docChgLst>
     <pc:chgData name="gabriel chavez" userId="71d80cb7cbb87c64" providerId="LiveId" clId="{00E70AD6-8CEE-9B48-AAD4-84810AB26CD2}"/>
-    <pc:docChg chg="custSel mod addSld delSld modSld sldOrd">
-      <pc:chgData name="gabriel chavez" userId="71d80cb7cbb87c64" providerId="LiveId" clId="{00E70AD6-8CEE-9B48-AAD4-84810AB26CD2}" dt="2020-07-09T21:47:13.341" v="209" actId="20577"/>
+    <pc:docChg chg="undo custSel mod addSld delSld modSld sldOrd">
+      <pc:chgData name="gabriel chavez" userId="71d80cb7cbb87c64" providerId="LiveId" clId="{00E70AD6-8CEE-9B48-AAD4-84810AB26CD2}" dt="2020-07-10T04:47:14.724" v="317" actId="478"/>
       <pc:docMkLst>
         <pc:docMk/>
       </pc:docMkLst>
-      <pc:sldChg chg="delSp">
-        <pc:chgData name="gabriel chavez" userId="71d80cb7cbb87c64" providerId="LiveId" clId="{00E70AD6-8CEE-9B48-AAD4-84810AB26CD2}" dt="2020-07-09T19:17:37.350" v="166" actId="478"/>
+      <pc:sldChg chg="delSp del">
+        <pc:chgData name="gabriel chavez" userId="71d80cb7cbb87c64" providerId="LiveId" clId="{00E70AD6-8CEE-9B48-AAD4-84810AB26CD2}" dt="2020-07-10T04:42:15.972" v="273" actId="2696"/>
         <pc:sldMkLst>
           <pc:docMk/>
           <pc:sldMk cId="4248287362" sldId="275"/>
@@ -220,6 +220,36 @@
         </pc:picChg>
       </pc:sldChg>
       <pc:sldChg chg="modSp">
+        <pc:chgData name="gabriel chavez" userId="71d80cb7cbb87c64" providerId="LiveId" clId="{00E70AD6-8CEE-9B48-AAD4-84810AB26CD2}" dt="2020-07-10T04:43:43.364" v="312" actId="20577"/>
+        <pc:sldMkLst>
+          <pc:docMk/>
+          <pc:sldMk cId="1208771149" sldId="290"/>
+        </pc:sldMkLst>
+        <pc:spChg chg="mod">
+          <ac:chgData name="gabriel chavez" userId="71d80cb7cbb87c64" providerId="LiveId" clId="{00E70AD6-8CEE-9B48-AAD4-84810AB26CD2}" dt="2020-07-10T04:43:43.364" v="312" actId="20577"/>
+          <ac:spMkLst>
+            <pc:docMk/>
+            <pc:sldMk cId="1208771149" sldId="290"/>
+            <ac:spMk id="8" creationId="{CECDAE13-1011-E545-86FE-E1BA547BB3DB}"/>
+          </ac:spMkLst>
+        </pc:spChg>
+      </pc:sldChg>
+      <pc:sldChg chg="delSp modSp">
+        <pc:chgData name="gabriel chavez" userId="71d80cb7cbb87c64" providerId="LiveId" clId="{00E70AD6-8CEE-9B48-AAD4-84810AB26CD2}" dt="2020-07-10T04:47:14.724" v="317" actId="478"/>
+        <pc:sldMkLst>
+          <pc:docMk/>
+          <pc:sldMk cId="3875581340" sldId="321"/>
+        </pc:sldMkLst>
+        <pc:spChg chg="del mod">
+          <ac:chgData name="gabriel chavez" userId="71d80cb7cbb87c64" providerId="LiveId" clId="{00E70AD6-8CEE-9B48-AAD4-84810AB26CD2}" dt="2020-07-10T04:47:14.724" v="317" actId="478"/>
+          <ac:spMkLst>
+            <pc:docMk/>
+            <pc:sldMk cId="3875581340" sldId="321"/>
+            <ac:spMk id="3" creationId="{24FB64DA-5BA0-C74D-AB81-C7A74E9D5B00}"/>
+          </ac:spMkLst>
+        </pc:spChg>
+      </pc:sldChg>
+      <pc:sldChg chg="modSp">
         <pc:chgData name="gabriel chavez" userId="71d80cb7cbb87c64" providerId="LiveId" clId="{00E70AD6-8CEE-9B48-AAD4-84810AB26CD2}" dt="2020-07-09T19:10:18.149" v="29" actId="1035"/>
         <pc:sldMkLst>
           <pc:docMk/>
@@ -235,7 +265,7 @@
         </pc:spChg>
       </pc:sldChg>
       <pc:sldChg chg="addSp delSp modSp add">
-        <pc:chgData name="gabriel chavez" userId="71d80cb7cbb87c64" providerId="LiveId" clId="{00E70AD6-8CEE-9B48-AAD4-84810AB26CD2}" dt="2020-07-09T21:47:13.341" v="209" actId="20577"/>
+        <pc:chgData name="gabriel chavez" userId="71d80cb7cbb87c64" providerId="LiveId" clId="{00E70AD6-8CEE-9B48-AAD4-84810AB26CD2}" dt="2020-07-10T04:33:32.321" v="239" actId="20577"/>
         <pc:sldMkLst>
           <pc:docMk/>
           <pc:sldMk cId="3558763774" sldId="323"/>
@@ -257,7 +287,7 @@
           </ac:spMkLst>
         </pc:spChg>
         <pc:spChg chg="add mod">
-          <ac:chgData name="gabriel chavez" userId="71d80cb7cbb87c64" providerId="LiveId" clId="{00E70AD6-8CEE-9B48-AAD4-84810AB26CD2}" dt="2020-07-09T21:47:13.341" v="209" actId="20577"/>
+          <ac:chgData name="gabriel chavez" userId="71d80cb7cbb87c64" providerId="LiveId" clId="{00E70AD6-8CEE-9B48-AAD4-84810AB26CD2}" dt="2020-07-10T04:33:32.321" v="239" actId="20577"/>
           <ac:spMkLst>
             <pc:docMk/>
             <pc:sldMk cId="3558763774" sldId="323"/>
@@ -438,8 +468,8 @@
           </ac:spMkLst>
         </pc:spChg>
       </pc:sldChg>
-      <pc:sldChg chg="addSp modSp add">
-        <pc:chgData name="gabriel chavez" userId="71d80cb7cbb87c64" providerId="LiveId" clId="{00E70AD6-8CEE-9B48-AAD4-84810AB26CD2}" dt="2020-07-09T19:18:16.579" v="207" actId="14100"/>
+      <pc:sldChg chg="addSp delSp modSp add">
+        <pc:chgData name="gabriel chavez" userId="71d80cb7cbb87c64" providerId="LiveId" clId="{00E70AD6-8CEE-9B48-AAD4-84810AB26CD2}" dt="2020-07-10T04:38:15.792" v="246" actId="14100"/>
         <pc:sldMkLst>
           <pc:docMk/>
           <pc:sldMk cId="285626864" sldId="326"/>
@@ -452,12 +482,51 @@
             <ac:spMk id="3" creationId="{00000000-0000-0000-0000-000000000000}"/>
           </ac:spMkLst>
         </pc:spChg>
-        <pc:picChg chg="add mod">
-          <ac:chgData name="gabriel chavez" userId="71d80cb7cbb87c64" providerId="LiveId" clId="{00E70AD6-8CEE-9B48-AAD4-84810AB26CD2}" dt="2020-07-09T19:18:16.579" v="207" actId="14100"/>
+        <pc:picChg chg="add del mod">
+          <ac:chgData name="gabriel chavez" userId="71d80cb7cbb87c64" providerId="LiveId" clId="{00E70AD6-8CEE-9B48-AAD4-84810AB26CD2}" dt="2020-07-10T04:37:57.193" v="240" actId="478"/>
           <ac:picMkLst>
             <pc:docMk/>
             <pc:sldMk cId="285626864" sldId="326"/>
             <ac:picMk id="2" creationId="{4C49FD6D-D943-4A4E-A058-CB471CC8A1C1}"/>
+          </ac:picMkLst>
+        </pc:picChg>
+        <pc:picChg chg="add mod">
+          <ac:chgData name="gabriel chavez" userId="71d80cb7cbb87c64" providerId="LiveId" clId="{00E70AD6-8CEE-9B48-AAD4-84810AB26CD2}" dt="2020-07-10T04:38:15.792" v="246" actId="14100"/>
+          <ac:picMkLst>
+            <pc:docMk/>
+            <pc:sldMk cId="285626864" sldId="326"/>
+            <ac:picMk id="4" creationId="{BC2FDC6D-772D-674B-A780-49850B370E04}"/>
+          </ac:picMkLst>
+        </pc:picChg>
+      </pc:sldChg>
+      <pc:sldChg chg="addSp delSp modSp add">
+        <pc:chgData name="gabriel chavez" userId="71d80cb7cbb87c64" providerId="LiveId" clId="{00E70AD6-8CEE-9B48-AAD4-84810AB26CD2}" dt="2020-07-10T04:41:55.089" v="272" actId="14100"/>
+        <pc:sldMkLst>
+          <pc:docMk/>
+          <pc:sldMk cId="1082183348" sldId="327"/>
+        </pc:sldMkLst>
+        <pc:spChg chg="mod">
+          <ac:chgData name="gabriel chavez" userId="71d80cb7cbb87c64" providerId="LiveId" clId="{00E70AD6-8CEE-9B48-AAD4-84810AB26CD2}" dt="2020-07-10T04:41:13.671" v="269" actId="20577"/>
+          <ac:spMkLst>
+            <pc:docMk/>
+            <pc:sldMk cId="1082183348" sldId="327"/>
+            <ac:spMk id="3" creationId="{00000000-0000-0000-0000-000000000000}"/>
+          </ac:spMkLst>
+        </pc:spChg>
+        <pc:picChg chg="add mod">
+          <ac:chgData name="gabriel chavez" userId="71d80cb7cbb87c64" providerId="LiveId" clId="{00E70AD6-8CEE-9B48-AAD4-84810AB26CD2}" dt="2020-07-10T04:41:55.089" v="272" actId="14100"/>
+          <ac:picMkLst>
+            <pc:docMk/>
+            <pc:sldMk cId="1082183348" sldId="327"/>
+            <ac:picMk id="2" creationId="{F00CF59F-BE56-AA42-8D2F-07DFF922BB81}"/>
+          </ac:picMkLst>
+        </pc:picChg>
+        <pc:picChg chg="del">
+          <ac:chgData name="gabriel chavez" userId="71d80cb7cbb87c64" providerId="LiveId" clId="{00E70AD6-8CEE-9B48-AAD4-84810AB26CD2}" dt="2020-07-10T04:40:27.836" v="248" actId="478"/>
+          <ac:picMkLst>
+            <pc:docMk/>
+            <pc:sldMk cId="1082183348" sldId="327"/>
+            <ac:picMk id="4" creationId="{BC2FDC6D-772D-674B-A780-49850B370E04}"/>
           </ac:picMkLst>
         </pc:picChg>
       </pc:sldChg>
@@ -1141,7 +1210,7 @@
     </p:spTree>
     <p:extLst>
       <p:ext uri="{BB962C8B-B14F-4D97-AF65-F5344CB8AC3E}">
-        <p14:creationId xmlns:p14="http://schemas.microsoft.com/office/powerpoint/2010/main" val="2209156733"/>
+        <p14:creationId xmlns:p14="http://schemas.microsoft.com/office/powerpoint/2010/main" val="1499987118"/>
       </p:ext>
     </p:extLst>
   </p:cSld>
@@ -1225,7 +1294,7 @@
     </p:spTree>
     <p:extLst>
       <p:ext uri="{BB962C8B-B14F-4D97-AF65-F5344CB8AC3E}">
-        <p14:creationId xmlns:p14="http://schemas.microsoft.com/office/powerpoint/2010/main" val="1499987118"/>
+        <p14:creationId xmlns:p14="http://schemas.microsoft.com/office/powerpoint/2010/main" val="1362688964"/>
       </p:ext>
     </p:extLst>
   </p:cSld>
@@ -5026,7 +5095,7 @@
         <p:spPr>
           <a:xfrm>
             <a:off x="685800" y="1295400"/>
-            <a:ext cx="9220200" cy="5386090"/>
+            <a:ext cx="9220200" cy="5109091"/>
           </a:xfrm>
           <a:prstGeom prst="rect">
             <a:avLst/>
@@ -5076,14 +5145,14 @@
             <a:pPr lvl="1"/>
             <a:r>
               <a:rPr lang="en-US" dirty="0"/>
-              <a:t>No AI will be used for the program. Rather, this game is meant for two human opponents to play against each other. </a:t>
+              <a:t>No AI will be used for the program. Rather, this game is meant for two human opponents to play against each other</a:t>
             </a:r>
           </a:p>
           <a:p>
             <a:pPr lvl="1"/>
             <a:r>
               <a:rPr lang="en-US" dirty="0"/>
-              <a:t>A game of checkers involves pieces, and an 8x8 checker board.</a:t>
+              <a:t>A game of checkers involves pieces, and an 8x8 checker board</a:t>
             </a:r>
           </a:p>
           <a:p>
@@ -5097,13 +5166,6 @@
             <a:endParaRPr lang="en-US" dirty="0"/>
           </a:p>
           <a:p>
-            <a:pPr lvl="1"/>
-            <a:r>
-              <a:rPr lang="en-US" dirty="0"/>
-              <a:t>Start with the main classes:</a:t>
-            </a:r>
-          </a:p>
-          <a:p>
             <a:pPr lvl="1" fontAlgn="base"/>
             <a:r>
               <a:rPr lang="en-US" b="1" dirty="0"/>
@@ -5111,7 +5173,7 @@
             </a:r>
             <a:r>
               <a:rPr lang="en-US" dirty="0"/>
-              <a:t> Each checker will be placed on the board in its own square. This class is an abstract class. The extended class is King which will implement the abstracted operations. </a:t>
+              <a:t> Each checker will be placed on the board in its own square. This class is an abstract class. The extended class is King which will implement the abstracted operations</a:t>
             </a:r>
           </a:p>
           <a:p>
@@ -5122,7 +5184,7 @@
             </a:r>
             <a:r>
               <a:rPr lang="en-US" dirty="0"/>
-              <a:t> Board is an 8×8 checker board containing the active checkers pieces.</a:t>
+              <a:t> Board is an 8×8 checker board containing the active checkers pieces</a:t>
             </a:r>
           </a:p>
           <a:p>
@@ -5133,7 +5195,7 @@
             </a:r>
             <a:r>
               <a:rPr lang="en-US" dirty="0"/>
-              <a:t> A spot represents one square of the 8×8 grid (board) and an optional piece.</a:t>
+              <a:t> A spot represents one square of the 8×8 grid (board) and an optional piece</a:t>
             </a:r>
           </a:p>
           <a:p>
@@ -5144,7 +5206,7 @@
             </a:r>
             <a:r>
               <a:rPr lang="en-US" dirty="0"/>
-              <a:t> Player class represents one of the participants playing the game.</a:t>
+              <a:t> Player class represents one of the participants playing the game</a:t>
             </a:r>
           </a:p>
           <a:p>
@@ -5155,7 +5217,7 @@
             </a:r>
             <a:r>
               <a:rPr lang="en-US" dirty="0"/>
-              <a:t> Represents a game move, containing the starting and ending spot. The Move class will also keep track of the player who made the move.</a:t>
+              <a:t> Represents a game move, containing the starting and ending spot. The Move class will also keep track of the player who made the move</a:t>
             </a:r>
           </a:p>
           <a:p>
@@ -5166,7 +5228,7 @@
             </a:r>
             <a:r>
               <a:rPr lang="en-US" dirty="0"/>
-              <a:t> This class controls the flow of a game. It keeps track of all the game moves, which player has the current turn, and the final result of the game.</a:t>
+              <a:t> This class controls the flow of a game. It keeps track of all the game moves, which player has the current turn, and the final result of the game</a:t>
             </a:r>
           </a:p>
         </p:txBody>
@@ -5533,31 +5595,6 @@
           </a:p>
         </p:txBody>
       </p:sp>
-      <p:sp>
-        <p:nvSpPr>
-          <p:cNvPr id="3" name="Content Placeholder 2">
-            <a:extLst>
-              <a:ext uri="{FF2B5EF4-FFF2-40B4-BE49-F238E27FC236}">
-                <a16:creationId xmlns:a16="http://schemas.microsoft.com/office/drawing/2014/main" id="{24FB64DA-5BA0-C74D-AB81-C7A74E9D5B00}"/>
-              </a:ext>
-            </a:extLst>
-          </p:cNvPr>
-          <p:cNvSpPr>
-            <a:spLocks noGrp="1"/>
-          </p:cNvSpPr>
-          <p:nvPr>
-            <p:ph idx="1"/>
-          </p:nvPr>
-        </p:nvSpPr>
-        <p:spPr/>
-        <p:txBody>
-          <a:bodyPr/>
-          <a:lstStyle/>
-          <a:p>
-            <a:endParaRPr lang="en-US"/>
-          </a:p>
-        </p:txBody>
-      </p:sp>
     </p:spTree>
     <p:extLst>
       <p:ext uri="{BB962C8B-B14F-4D97-AF65-F5344CB8AC3E}">
@@ -5622,28 +5659,12 @@
               </a:spcBef>
             </a:pPr>
             <a:r>
-              <a:rPr sz="3200" spc="-95" dirty="0">
+              <a:rPr lang="en-US" sz="3200" spc="-95" dirty="0">
                 <a:solidFill>
                   <a:srgbClr val="0070C0"/>
                 </a:solidFill>
               </a:rPr>
-              <a:t>Wireframes </a:t>
-            </a:r>
-            <a:r>
-              <a:rPr sz="3200" spc="-340" dirty="0">
-                <a:solidFill>
-                  <a:srgbClr val="0070C0"/>
-                </a:solidFill>
-              </a:rPr>
-              <a:t>&amp; </a:t>
-            </a:r>
-            <a:r>
-              <a:rPr sz="3200" spc="-204" dirty="0">
-                <a:solidFill>
-                  <a:srgbClr val="0070C0"/>
-                </a:solidFill>
-              </a:rPr>
-              <a:t>Design</a:t>
+              <a:t>Checkers Board</a:t>
             </a:r>
             <a:endParaRPr sz="3200" dirty="0">
               <a:solidFill>
@@ -5653,10 +5674,40 @@
           </a:p>
         </p:txBody>
       </p:sp>
+      <p:pic>
+        <p:nvPicPr>
+          <p:cNvPr id="4" name="Picture 3">
+            <a:extLst>
+              <a:ext uri="{FF2B5EF4-FFF2-40B4-BE49-F238E27FC236}">
+                <a16:creationId xmlns:a16="http://schemas.microsoft.com/office/drawing/2014/main" id="{BC2FDC6D-772D-674B-A780-49850B370E04}"/>
+              </a:ext>
+            </a:extLst>
+          </p:cNvPr>
+          <p:cNvPicPr>
+            <a:picLocks noChangeAspect="1"/>
+          </p:cNvPicPr>
+          <p:nvPr/>
+        </p:nvPicPr>
+        <p:blipFill>
+          <a:blip r:embed="rId3"/>
+          <a:stretch>
+            <a:fillRect/>
+          </a:stretch>
+        </p:blipFill>
+        <p:spPr>
+          <a:xfrm>
+            <a:off x="2438400" y="1523999"/>
+            <a:ext cx="5638799" cy="5706465"/>
+          </a:xfrm>
+          <a:prstGeom prst="rect">
+            <a:avLst/>
+          </a:prstGeom>
+        </p:spPr>
+      </p:pic>
     </p:spTree>
     <p:extLst>
       <p:ext uri="{BB962C8B-B14F-4D97-AF65-F5344CB8AC3E}">
-        <p14:creationId xmlns:p14="http://schemas.microsoft.com/office/powerpoint/2010/main" val="4248287362"/>
+        <p14:creationId xmlns:p14="http://schemas.microsoft.com/office/powerpoint/2010/main" val="285626864"/>
       </p:ext>
     </p:extLst>
   </p:cSld>
@@ -5722,7 +5773,7 @@
                   <a:srgbClr val="0070C0"/>
                 </a:solidFill>
               </a:rPr>
-              <a:t>Checkers Board</a:t>
+              <a:t>Checkers Board with Checkers</a:t>
             </a:r>
             <a:endParaRPr sz="3200" dirty="0">
               <a:solidFill>
@@ -5737,7 +5788,7 @@
           <p:cNvPr id="2" name="Picture 1">
             <a:extLst>
               <a:ext uri="{FF2B5EF4-FFF2-40B4-BE49-F238E27FC236}">
-                <a16:creationId xmlns:a16="http://schemas.microsoft.com/office/drawing/2014/main" id="{4C49FD6D-D943-4A4E-A058-CB471CC8A1C1}"/>
+                <a16:creationId xmlns:a16="http://schemas.microsoft.com/office/drawing/2014/main" id="{F00CF59F-BE56-AA42-8D2F-07DFF922BB81}"/>
               </a:ext>
             </a:extLst>
           </p:cNvPr>
@@ -5754,8 +5805,8 @@
         </p:blipFill>
         <p:spPr>
           <a:xfrm>
-            <a:off x="2449908" y="1752600"/>
-            <a:ext cx="5160450" cy="5181600"/>
+            <a:off x="2438400" y="1482214"/>
+            <a:ext cx="5714999" cy="5807176"/>
           </a:xfrm>
           <a:prstGeom prst="rect">
             <a:avLst/>
@@ -5765,7 +5816,7 @@
     </p:spTree>
     <p:extLst>
       <p:ext uri="{BB962C8B-B14F-4D97-AF65-F5344CB8AC3E}">
-        <p14:creationId xmlns:p14="http://schemas.microsoft.com/office/powerpoint/2010/main" val="285626864"/>
+        <p14:creationId xmlns:p14="http://schemas.microsoft.com/office/powerpoint/2010/main" val="1082183348"/>
       </p:ext>
     </p:extLst>
   </p:cSld>
@@ -5862,7 +5913,7 @@
         <p:spPr>
           <a:xfrm>
             <a:off x="685800" y="1295400"/>
-            <a:ext cx="9220200" cy="2585323"/>
+            <a:ext cx="9220200" cy="3970318"/>
           </a:xfrm>
           <a:prstGeom prst="rect">
             <a:avLst/>
@@ -5875,8 +5926,8 @@
           <a:lstStyle/>
           <a:p>
             <a:r>
-              <a:rPr lang="en-US" b="1" dirty="0" err="1"/>
-              <a:t>Youtube</a:t>
+              <a:rPr lang="en-US" b="1" dirty="0"/>
+              <a:t>Web Sites</a:t>
             </a:r>
             <a:endParaRPr lang="en-US" dirty="0"/>
           </a:p>
@@ -5907,6 +5958,46 @@
                 <a:hlinkClick r:id="rId5"/>
               </a:rPr>
               <a:t>https://www.youtube.com/watch?v=6S6km5duBrM</a:t>
+            </a:r>
+            <a:endParaRPr lang="en-US" dirty="0"/>
+          </a:p>
+          <a:p>
+            <a:pPr lvl="1"/>
+            <a:r>
+              <a:rPr lang="en-US" dirty="0">
+                <a:hlinkClick r:id="rId6"/>
+              </a:rPr>
+              <a:t>https://www.w3schools.com/java/java_abstract.asp</a:t>
+            </a:r>
+            <a:endParaRPr lang="en-US" dirty="0"/>
+          </a:p>
+          <a:p>
+            <a:pPr lvl="1"/>
+            <a:r>
+              <a:rPr lang="en-US" dirty="0">
+                <a:hlinkClick r:id="rId7"/>
+              </a:rPr>
+              <a:t>https://en.wikipedia.org/wiki/Draughts</a:t>
+            </a:r>
+            <a:endParaRPr lang="en-US" dirty="0"/>
+          </a:p>
+          <a:p>
+            <a:pPr lvl="1"/>
+            <a:r>
+              <a:rPr lang="en-US" dirty="0">
+                <a:hlinkClick r:id="rId8"/>
+              </a:rPr>
+              <a:t>http://math.hws.edu/eck/cs124/javanotes5/source/Checkers.java</a:t>
+            </a:r>
+            <a:endParaRPr lang="en-US" dirty="0"/>
+          </a:p>
+          <a:p>
+            <a:pPr lvl="1"/>
+            <a:r>
+              <a:rPr lang="en-US" dirty="0">
+                <a:hlinkClick r:id="rId9"/>
+              </a:rPr>
+              <a:t>https://docs.oracle.com/apps/search/search.jsp?category=java&amp;product=e25407-01&amp;q=jpanel</a:t>
             </a:r>
             <a:endParaRPr lang="en-US" dirty="0"/>
           </a:p>
